--- a/O3653-1 Deep Dive into Azure AD with the Office 365 APIs/O3653-1 Deep Dive into Azure AD with the Office 365 APIs.pptx
+++ b/O3653-1 Deep Dive into Azure AD with the Office 365 APIs/O3653-1 Deep Dive into Azure AD with the Office 365 APIs.pptx
@@ -6,10 +6,10 @@
     <p:sldMasterId id="2147484046" r:id="rId5"/>
   </p:sldMasterIdLst>
   <p:notesMasterIdLst>
-    <p:notesMasterId r:id="rId24"/>
+    <p:notesMasterId r:id="rId27"/>
   </p:notesMasterIdLst>
   <p:handoutMasterIdLst>
-    <p:handoutMasterId r:id="rId25"/>
+    <p:handoutMasterId r:id="rId28"/>
   </p:handoutMasterIdLst>
   <p:sldIdLst>
     <p:sldId id="780" r:id="rId6"/>
@@ -29,7 +29,10 @@
     <p:sldId id="791" r:id="rId20"/>
     <p:sldId id="794" r:id="rId21"/>
     <p:sldId id="795" r:id="rId22"/>
-    <p:sldId id="654" r:id="rId23"/>
+    <p:sldId id="796" r:id="rId23"/>
+    <p:sldId id="797" r:id="rId24"/>
+    <p:sldId id="798" r:id="rId25"/>
+    <p:sldId id="654" r:id="rId26"/>
   </p:sldIdLst>
   <p:sldSz cx="12188825" cy="6858000"/>
   <p:notesSz cx="6858000" cy="9144000"/>
@@ -1711,6 +1714,212 @@
           <a:bodyPr/>
           <a:lstStyle/>
           <a:p>
+            <a:endParaRPr lang="en-US" dirty="0"/>
+          </a:p>
+        </p:txBody>
+      </p:sp>
+      <p:sp>
+        <p:nvSpPr>
+          <p:cNvPr id="4" name="Date Placeholder 3"/>
+          <p:cNvSpPr>
+            <a:spLocks noGrp="1"/>
+          </p:cNvSpPr>
+          <p:nvPr>
+            <p:ph type="dt" idx="10"/>
+          </p:nvPr>
+        </p:nvSpPr>
+        <p:spPr/>
+        <p:txBody>
+          <a:bodyPr/>
+          <a:lstStyle/>
+          <a:p>
+            <a:fld id="{B724C4EE-F663-444A-A194-1DBD96517A32}" type="datetime1">
+              <a:rPr lang="en-US" smtClean="0"/>
+              <a:t>9/10/2014</a:t>
+            </a:fld>
+            <a:endParaRPr lang="en-US"/>
+          </a:p>
+        </p:txBody>
+      </p:sp>
+      <p:sp>
+        <p:nvSpPr>
+          <p:cNvPr id="5" name="Slide Number Placeholder 4"/>
+          <p:cNvSpPr>
+            <a:spLocks noGrp="1"/>
+          </p:cNvSpPr>
+          <p:nvPr>
+            <p:ph type="sldNum" sz="quarter" idx="11"/>
+          </p:nvPr>
+        </p:nvSpPr>
+        <p:spPr/>
+        <p:txBody>
+          <a:bodyPr/>
+          <a:lstStyle/>
+          <a:p>
+            <a:fld id="{B4008EB6-D09E-4580-8CD6-DDB14511944F}" type="slidenum">
+              <a:rPr lang="en-US" smtClean="0"/>
+              <a:t>19</a:t>
+            </a:fld>
+            <a:endParaRPr lang="en-US" dirty="0"/>
+          </a:p>
+        </p:txBody>
+      </p:sp>
+      <p:sp>
+        <p:nvSpPr>
+          <p:cNvPr id="6" name="Header Placeholder 5"/>
+          <p:cNvSpPr>
+            <a:spLocks noGrp="1"/>
+          </p:cNvSpPr>
+          <p:nvPr>
+            <p:ph type="hdr" sz="quarter" idx="12"/>
+          </p:nvPr>
+        </p:nvSpPr>
+        <p:spPr/>
+        <p:txBody>
+          <a:bodyPr/>
+          <a:lstStyle/>
+          <a:p>
+            <a:r>
+              <a:rPr lang="en-US" smtClean="0"/>
+              <a:t>Microsoft Office</a:t>
+            </a:r>
+            <a:endParaRPr lang="en-US" dirty="0"/>
+          </a:p>
+        </p:txBody>
+      </p:sp>
+      <p:sp>
+        <p:nvSpPr>
+          <p:cNvPr id="7" name="Footer Placeholder 6"/>
+          <p:cNvSpPr>
+            <a:spLocks noGrp="1"/>
+          </p:cNvSpPr>
+          <p:nvPr>
+            <p:ph type="ftr" sz="quarter" idx="13"/>
+          </p:nvPr>
+        </p:nvSpPr>
+        <p:spPr/>
+        <p:txBody>
+          <a:bodyPr/>
+          <a:lstStyle/>
+          <a:p>
+            <a:pPr marL="231775" defTabSz="914099" eaLnBrk="0" hangingPunct="0"/>
+            <a:r>
+              <a:rPr lang="en-US" sz="500" smtClean="0">
+                <a:gradFill>
+                  <a:gsLst>
+                    <a:gs pos="0">
+                      <a:schemeClr val="tx1"/>
+                    </a:gs>
+                    <a:gs pos="100000">
+                      <a:schemeClr val="tx1"/>
+                    </a:gs>
+                  </a:gsLst>
+                  <a:lin ang="5400000" scaled="0"/>
+                </a:gradFill>
+                <a:latin typeface="Segoe UI" pitchFamily="34" charset="0"/>
+                <a:ea typeface="Segoe UI" pitchFamily="34" charset="0"/>
+                <a:cs typeface="Segoe UI" pitchFamily="34" charset="0"/>
+              </a:rPr>
+              <a:t>© 2012 Microsoft Corporation. All rights reserved. Microsoft, Windows, and other product names are or may be registered trademarks and/or trademarks in the U.S. and/or other countries.</a:t>
+            </a:r>
+          </a:p>
+          <a:p>
+            <a:pPr marL="231775" defTabSz="914099" eaLnBrk="0" hangingPunct="0"/>
+            <a:r>
+              <a:rPr lang="en-US" sz="500" smtClean="0">
+                <a:gradFill>
+                  <a:gsLst>
+                    <a:gs pos="0">
+                      <a:schemeClr val="tx1"/>
+                    </a:gs>
+                    <a:gs pos="100000">
+                      <a:schemeClr val="tx1"/>
+                    </a:gs>
+                  </a:gsLst>
+                  <a:lin ang="5400000" scaled="0"/>
+                </a:gradFill>
+                <a:latin typeface="Segoe UI" pitchFamily="34" charset="0"/>
+                <a:ea typeface="Segoe UI" pitchFamily="34" charset="0"/>
+                <a:cs typeface="Segoe UI" pitchFamily="34" charset="0"/>
+              </a:rPr>
+              <a:t>The information herein is for informational purposes only and represents the current view of Microsoft Corporation as of the date of this presentation.  Because Microsoft must respond to changing market conditions, it should not be interpreted to be a commitment on the part of Microsoft, and Microsoft cannot guarantee the accuracy of any information provided after the date of this presentation.  MICROSOFT MAKES NO WARRANTIES, EXPRESS, IMPLIED OR STATUTORY, AS TO THE INFORMATION IN THIS PRESENTATION.</a:t>
+            </a:r>
+            <a:endParaRPr lang="en-US" sz="500" dirty="0">
+              <a:gradFill>
+                <a:gsLst>
+                  <a:gs pos="0">
+                    <a:schemeClr val="tx1"/>
+                  </a:gs>
+                  <a:gs pos="100000">
+                    <a:schemeClr val="tx1"/>
+                  </a:gs>
+                </a:gsLst>
+                <a:lin ang="5400000" scaled="0"/>
+              </a:gradFill>
+              <a:latin typeface="Segoe UI" pitchFamily="34" charset="0"/>
+              <a:ea typeface="Segoe UI" pitchFamily="34" charset="0"/>
+              <a:cs typeface="Segoe UI" pitchFamily="34" charset="0"/>
+            </a:endParaRPr>
+          </a:p>
+        </p:txBody>
+      </p:sp>
+    </p:spTree>
+    <p:extLst>
+      <p:ext uri="{BB962C8B-B14F-4D97-AF65-F5344CB8AC3E}">
+        <p14:creationId xmlns:p14="http://schemas.microsoft.com/office/powerpoint/2010/main" val="9880505"/>
+      </p:ext>
+    </p:extLst>
+  </p:cSld>
+  <p:clrMapOvr>
+    <a:masterClrMapping/>
+  </p:clrMapOvr>
+</p:notes>
+</file>
+
+<file path=ppt/notesSlides/notesSlide13.xml><?xml version="1.0" encoding="utf-8"?>
+<p:notes xmlns:a="http://schemas.openxmlformats.org/drawingml/2006/main" xmlns:r="http://schemas.openxmlformats.org/officeDocument/2006/relationships" xmlns:p="http://schemas.openxmlformats.org/presentationml/2006/main">
+  <p:cSld>
+    <p:spTree>
+      <p:nvGrpSpPr>
+        <p:cNvPr id="1" name=""/>
+        <p:cNvGrpSpPr/>
+        <p:nvPr/>
+      </p:nvGrpSpPr>
+      <p:grpSpPr>
+        <a:xfrm>
+          <a:off x="0" y="0"/>
+          <a:ext cx="0" cy="0"/>
+          <a:chOff x="0" y="0"/>
+          <a:chExt cx="0" cy="0"/>
+        </a:xfrm>
+      </p:grpSpPr>
+      <p:sp>
+        <p:nvSpPr>
+          <p:cNvPr id="2" name="Slide Image Placeholder 1"/>
+          <p:cNvSpPr>
+            <a:spLocks noGrp="1" noRot="1" noChangeAspect="1"/>
+          </p:cNvSpPr>
+          <p:nvPr>
+            <p:ph type="sldImg"/>
+          </p:nvPr>
+        </p:nvSpPr>
+        <p:spPr/>
+      </p:sp>
+      <p:sp>
+        <p:nvSpPr>
+          <p:cNvPr id="3" name="Notes Placeholder 2"/>
+          <p:cNvSpPr>
+            <a:spLocks noGrp="1"/>
+          </p:cNvSpPr>
+          <p:nvPr>
+            <p:ph type="body" idx="1"/>
+          </p:nvPr>
+        </p:nvSpPr>
+        <p:spPr/>
+        <p:txBody>
+          <a:bodyPr/>
+          <a:lstStyle/>
+          <a:p>
             <a:endParaRPr lang="en-US"/>
           </a:p>
         </p:txBody>
@@ -1866,7 +2075,7 @@
           <a:p>
             <a:fld id="{B4008EB6-D09E-4580-8CD6-DDB14511944F}" type="slidenum">
               <a:rPr lang="en-US" smtClean="0"/>
-              <a:t>18</a:t>
+              <a:t>21</a:t>
             </a:fld>
             <a:endParaRPr lang="en-US" dirty="0"/>
           </a:p>
@@ -2572,15 +2781,7 @@
           <a:p>
             <a:r>
               <a:rPr lang="en-US" dirty="0" smtClean="0"/>
-              <a:t>** This slide has </a:t>
-            </a:r>
-            <a:r>
-              <a:rPr lang="en-US" dirty="0" smtClean="0"/>
-              <a:t>animations </a:t>
-            </a:r>
-            <a:r>
-              <a:rPr lang="en-US" dirty="0" smtClean="0"/>
-              <a:t>**</a:t>
+              <a:t>** This slide has animations **</a:t>
             </a:r>
           </a:p>
           <a:p>
@@ -3496,9 +3697,27 @@
             </a:r>
             <a:r>
               <a:rPr lang="en-US" baseline="0" dirty="0" smtClean="0"/>
-              <a:t> app demonstrates the results of the API steps. The App *does not* use the O365 libraries, rather uses raw calls to the endpoints. This demo is intended to show the underlying functionality rather than hide it behind the library.</a:t>
-            </a:r>
-            <a:endParaRPr lang="en-US" dirty="0"/>
+              <a:t> app demonstrates the results of the API steps. The App *does not* use the O365 libraries, rather uses raw calls to the endpoints. This demo is intended to show the underlying functionality rather than hide it behind the library</a:t>
+            </a:r>
+            <a:r>
+              <a:rPr lang="en-US" baseline="0" dirty="0" smtClean="0"/>
+              <a:t>.</a:t>
+            </a:r>
+          </a:p>
+          <a:p>
+            <a:endParaRPr lang="en-US" baseline="0" dirty="0" smtClean="0"/>
+          </a:p>
+          <a:p>
+            <a:r>
+              <a:rPr lang="en-US" baseline="0" dirty="0" smtClean="0"/>
+              <a:t>Original demo is at http://code.msdn.microsoft.com/Office-365-APIs-How-to-use-609102ea </a:t>
+            </a:r>
+          </a:p>
+          <a:p>
+            <a:r>
+              <a:rPr lang="en-US" baseline="0" dirty="0" smtClean="0"/>
+              <a:t>Demo is also in the Completed Projects folder</a:t>
+            </a:r>
           </a:p>
         </p:txBody>
       </p:sp>
@@ -13658,13 +13877,13 @@
   <p:clrMapOvr>
     <a:masterClrMapping/>
   </p:clrMapOvr>
-  <mc:AlternateContent xmlns:mc="http://schemas.openxmlformats.org/markup-compatibility/2006">
-    <mc:Choice xmlns:p14="http://schemas.microsoft.com/office/powerpoint/2010/main" Requires="p14">
+  <mc:AlternateContent xmlns:mc="http://schemas.openxmlformats.org/markup-compatibility/2006" xmlns:p14="http://schemas.microsoft.com/office/powerpoint/2010/main">
+    <mc:Choice Requires="p14">
       <p:transition spd="slow" p14:dur="3400">
         <p14:reveal/>
       </p:transition>
     </mc:Choice>
-    <mc:Fallback>
+    <mc:Fallback xmlns="">
       <p:transition spd="slow">
         <p:fade/>
       </p:transition>
@@ -13891,13 +14110,13 @@
   <p:clrMapOvr>
     <a:masterClrMapping/>
   </p:clrMapOvr>
-  <mc:AlternateContent xmlns:mc="http://schemas.openxmlformats.org/markup-compatibility/2006">
-    <mc:Choice xmlns:p14="http://schemas.microsoft.com/office/powerpoint/2010/main" Requires="p14">
+  <mc:AlternateContent xmlns:mc="http://schemas.openxmlformats.org/markup-compatibility/2006" xmlns:p14="http://schemas.microsoft.com/office/powerpoint/2010/main">
+    <mc:Choice Requires="p14">
       <p:transition spd="slow" p14:dur="3400">
         <p14:reveal/>
       </p:transition>
     </mc:Choice>
-    <mc:Fallback>
+    <mc:Fallback xmlns="">
       <p:transition spd="slow">
         <p:fade/>
       </p:transition>
@@ -14341,6 +14560,672 @@
       </p:grpSpPr>
       <p:sp>
         <p:nvSpPr>
+          <p:cNvPr id="2" name="Title 1"/>
+          <p:cNvSpPr>
+            <a:spLocks noGrp="1"/>
+          </p:cNvSpPr>
+          <p:nvPr>
+            <p:ph type="title"/>
+          </p:nvPr>
+        </p:nvSpPr>
+        <p:spPr/>
+        <p:txBody>
+          <a:bodyPr/>
+          <a:lstStyle/>
+          <a:p>
+            <a:r>
+              <a:rPr lang="en-US" dirty="0" smtClean="0"/>
+              <a:t>Troubleshooting</a:t>
+            </a:r>
+            <a:endParaRPr lang="en-US" dirty="0"/>
+          </a:p>
+        </p:txBody>
+      </p:sp>
+    </p:spTree>
+    <p:extLst>
+      <p:ext uri="{BB962C8B-B14F-4D97-AF65-F5344CB8AC3E}">
+        <p14:creationId xmlns:p14="http://schemas.microsoft.com/office/powerpoint/2010/main" val="1398501640"/>
+      </p:ext>
+    </p:extLst>
+  </p:cSld>
+  <p:clrMapOvr>
+    <a:masterClrMapping/>
+  </p:clrMapOvr>
+  <p:transition>
+    <p:fade/>
+  </p:transition>
+</p:sld>
+</file>
+
+<file path=ppt/slides/slide19.xml><?xml version="1.0" encoding="utf-8"?>
+<p:sld xmlns:a="http://schemas.openxmlformats.org/drawingml/2006/main" xmlns:r="http://schemas.openxmlformats.org/officeDocument/2006/relationships" xmlns:p="http://schemas.openxmlformats.org/presentationml/2006/main">
+  <p:cSld>
+    <p:spTree>
+      <p:nvGrpSpPr>
+        <p:cNvPr id="1" name=""/>
+        <p:cNvGrpSpPr/>
+        <p:nvPr/>
+      </p:nvGrpSpPr>
+      <p:grpSpPr>
+        <a:xfrm>
+          <a:off x="0" y="0"/>
+          <a:ext cx="0" cy="0"/>
+          <a:chOff x="0" y="0"/>
+          <a:chExt cx="0" cy="0"/>
+        </a:xfrm>
+      </p:grpSpPr>
+      <p:sp>
+        <p:nvSpPr>
+          <p:cNvPr id="2" name="Text Placeholder 1"/>
+          <p:cNvSpPr>
+            <a:spLocks noGrp="1"/>
+          </p:cNvSpPr>
+          <p:nvPr>
+            <p:ph type="body" sz="quarter" idx="10"/>
+          </p:nvPr>
+        </p:nvSpPr>
+        <p:spPr/>
+        <p:txBody>
+          <a:bodyPr/>
+          <a:lstStyle/>
+          <a:p>
+            <a:r>
+              <a:rPr lang="en-US" dirty="0" smtClean="0"/>
+              <a:t>Login</a:t>
+            </a:r>
+            <a:r>
+              <a:rPr lang="en-US" baseline="0" dirty="0" smtClean="0"/>
+              <a:t> Errors</a:t>
+            </a:r>
+          </a:p>
+          <a:p>
+            <a:pPr lvl="1"/>
+            <a:r>
+              <a:rPr lang="en-US" dirty="0" smtClean="0"/>
+              <a:t>Shown on web page</a:t>
+            </a:r>
+          </a:p>
+          <a:p>
+            <a:r>
+              <a:rPr lang="en-US" dirty="0" smtClean="0"/>
+              <a:t>Fiddler</a:t>
+            </a:r>
+          </a:p>
+          <a:p>
+            <a:pPr lvl="1"/>
+            <a:r>
+              <a:rPr lang="en-US" dirty="0" smtClean="0"/>
+              <a:t>Shows response</a:t>
+            </a:r>
+            <a:r>
+              <a:rPr lang="en-US" baseline="0" dirty="0" smtClean="0"/>
+              <a:t> / request from apps running on local computer</a:t>
+            </a:r>
+          </a:p>
+          <a:p>
+            <a:pPr lvl="0"/>
+            <a:r>
+              <a:rPr lang="en-US" dirty="0" smtClean="0"/>
+              <a:t>Review Response as JSON</a:t>
+            </a:r>
+          </a:p>
+          <a:p>
+            <a:pPr lvl="1"/>
+            <a:r>
+              <a:rPr lang="en-US" dirty="0" smtClean="0"/>
+              <a:t>Authentication</a:t>
+            </a:r>
+            <a:r>
+              <a:rPr lang="en-US" baseline="0" dirty="0" smtClean="0"/>
+              <a:t> errors (invalid values)</a:t>
+            </a:r>
+          </a:p>
+        </p:txBody>
+      </p:sp>
+      <p:sp>
+        <p:nvSpPr>
+          <p:cNvPr id="3" name="Title 2"/>
+          <p:cNvSpPr>
+            <a:spLocks noGrp="1"/>
+          </p:cNvSpPr>
+          <p:nvPr>
+            <p:ph type="title"/>
+          </p:nvPr>
+        </p:nvSpPr>
+        <p:spPr/>
+        <p:txBody>
+          <a:bodyPr/>
+          <a:lstStyle/>
+          <a:p>
+            <a:r>
+              <a:rPr lang="en-US" dirty="0" smtClean="0"/>
+              <a:t>Troubleshooting Errors in </a:t>
+            </a:r>
+            <a:r>
+              <a:rPr lang="en-US" dirty="0" err="1" smtClean="0"/>
+              <a:t>Auth</a:t>
+            </a:r>
+            <a:r>
+              <a:rPr lang="en-US" dirty="0" smtClean="0"/>
+              <a:t> flow</a:t>
+            </a:r>
+            <a:endParaRPr lang="en-US" dirty="0"/>
+          </a:p>
+        </p:txBody>
+      </p:sp>
+      <p:sp>
+        <p:nvSpPr>
+          <p:cNvPr id="4" name="Slide Number Placeholder 3"/>
+          <p:cNvSpPr>
+            <a:spLocks noGrp="1"/>
+          </p:cNvSpPr>
+          <p:nvPr>
+            <p:ph type="sldNum" sz="quarter" idx="12"/>
+          </p:nvPr>
+        </p:nvSpPr>
+        <p:spPr/>
+        <p:txBody>
+          <a:bodyPr/>
+          <a:lstStyle/>
+          <a:p>
+            <a:fld id="{727B4C2D-45E2-4621-8491-2995EB46A674}" type="slidenum">
+              <a:rPr lang="en-US" smtClean="0"/>
+              <a:pPr/>
+              <a:t>19</a:t>
+            </a:fld>
+            <a:endParaRPr lang="en-US" dirty="0"/>
+          </a:p>
+        </p:txBody>
+      </p:sp>
+      <p:sp>
+        <p:nvSpPr>
+          <p:cNvPr id="5" name="Rectangle 4"/>
+          <p:cNvSpPr/>
+          <p:nvPr/>
+        </p:nvSpPr>
+        <p:spPr>
+          <a:xfrm>
+            <a:off x="1081386" y="5172075"/>
+            <a:ext cx="9062739" cy="923330"/>
+          </a:xfrm>
+          <a:prstGeom prst="rect">
+            <a:avLst/>
+          </a:prstGeom>
+        </p:spPr>
+        <p:txBody>
+          <a:bodyPr wrap="square">
+            <a:spAutoFit/>
+          </a:bodyPr>
+          <a:lstStyle/>
+          <a:p>
+            <a:r>
+              <a:rPr lang="en-US" dirty="0">
+                <a:latin typeface="Lucida Console" panose="020B0609040504020204" pitchFamily="49" charset="0"/>
+                <a:ea typeface="Calibri" panose="020F0502020204030204" pitchFamily="34" charset="0"/>
+                <a:cs typeface="Times New Roman" panose="02020603050405020304" pitchFamily="18" charset="0"/>
+              </a:rPr>
+              <a:t>{"error":"invalid_grant","error_description":"AADSTS70002: Error validating credentials. AADSTS50011: The reply address </a:t>
+            </a:r>
+            <a:r>
+              <a:rPr lang="en-US" dirty="0">
+                <a:latin typeface="Lucida Console" panose="020B0609040504020204" pitchFamily="49" charset="0"/>
+                <a:ea typeface="Calibri" panose="020F0502020204030204" pitchFamily="34" charset="0"/>
+                <a:cs typeface="Times New Roman" panose="02020603050405020304" pitchFamily="18" charset="0"/>
+              </a:rPr>
+              <a:t>'http://localhost:40298/Home/Discovery' </a:t>
+            </a:r>
+            <a:r>
+              <a:rPr lang="en-US" dirty="0">
+                <a:latin typeface="Lucida Console" panose="020B0609040504020204" pitchFamily="49" charset="0"/>
+                <a:ea typeface="Calibri" panose="020F0502020204030204" pitchFamily="34" charset="0"/>
+                <a:cs typeface="Times New Roman" panose="02020603050405020304" pitchFamily="18" charset="0"/>
+              </a:rPr>
+              <a:t>is not valid</a:t>
+            </a:r>
+            <a:r>
+              <a:rPr lang="en-US" dirty="0" smtClean="0">
+                <a:latin typeface="Lucida Console" panose="020B0609040504020204" pitchFamily="49" charset="0"/>
+                <a:ea typeface="Calibri" panose="020F0502020204030204" pitchFamily="34" charset="0"/>
+                <a:cs typeface="Times New Roman" panose="02020603050405020304" pitchFamily="18" charset="0"/>
+              </a:rPr>
+              <a:t>.}</a:t>
+            </a:r>
+            <a:endParaRPr lang="en-US" sz="2400" dirty="0">
+              <a:effectLst/>
+              <a:latin typeface="Calibri" panose="020F0502020204030204" pitchFamily="34" charset="0"/>
+              <a:ea typeface="Calibri" panose="020F0502020204030204" pitchFamily="34" charset="0"/>
+              <a:cs typeface="Times New Roman" panose="02020603050405020304" pitchFamily="18" charset="0"/>
+            </a:endParaRPr>
+          </a:p>
+        </p:txBody>
+      </p:sp>
+      <p:pic>
+        <p:nvPicPr>
+          <p:cNvPr id="6" name="Picture 5"/>
+          <p:cNvPicPr>
+            <a:picLocks noChangeAspect="1"/>
+          </p:cNvPicPr>
+          <p:nvPr/>
+        </p:nvPicPr>
+        <p:blipFill>
+          <a:blip r:embed="rId3"/>
+          <a:stretch>
+            <a:fillRect/>
+          </a:stretch>
+        </p:blipFill>
+        <p:spPr>
+          <a:xfrm>
+            <a:off x="5267521" y="1447799"/>
+            <a:ext cx="5124730" cy="1438276"/>
+          </a:xfrm>
+          <a:prstGeom prst="rect">
+            <a:avLst/>
+          </a:prstGeom>
+          <a:ln>
+            <a:solidFill>
+              <a:schemeClr val="accent1"/>
+            </a:solidFill>
+          </a:ln>
+        </p:spPr>
+      </p:pic>
+    </p:spTree>
+    <p:extLst>
+      <p:ext uri="{BB962C8B-B14F-4D97-AF65-F5344CB8AC3E}">
+        <p14:creationId xmlns:p14="http://schemas.microsoft.com/office/powerpoint/2010/main" val="3653947737"/>
+      </p:ext>
+    </p:extLst>
+  </p:cSld>
+  <p:clrMapOvr>
+    <a:masterClrMapping/>
+  </p:clrMapOvr>
+  <p:transition>
+    <p:fade/>
+  </p:transition>
+  <p:timing>
+    <p:tnLst>
+      <p:par>
+        <p:cTn id="1" dur="indefinite" restart="never" nodeType="tmRoot"/>
+      </p:par>
+    </p:tnLst>
+  </p:timing>
+</p:sld>
+</file>
+
+<file path=ppt/slides/slide2.xml><?xml version="1.0" encoding="utf-8"?>
+<p:sld xmlns:a="http://schemas.openxmlformats.org/drawingml/2006/main" xmlns:r="http://schemas.openxmlformats.org/officeDocument/2006/relationships" xmlns:p="http://schemas.openxmlformats.org/presentationml/2006/main">
+  <p:cSld>
+    <p:spTree>
+      <p:nvGrpSpPr>
+        <p:cNvPr id="1" name=""/>
+        <p:cNvGrpSpPr/>
+        <p:nvPr/>
+      </p:nvGrpSpPr>
+      <p:grpSpPr>
+        <a:xfrm>
+          <a:off x="0" y="0"/>
+          <a:ext cx="0" cy="0"/>
+          <a:chOff x="0" y="0"/>
+          <a:chExt cx="0" cy="0"/>
+        </a:xfrm>
+      </p:grpSpPr>
+      <p:sp>
+        <p:nvSpPr>
+          <p:cNvPr id="2" name="Title 1"/>
+          <p:cNvSpPr>
+            <a:spLocks noGrp="1"/>
+          </p:cNvSpPr>
+          <p:nvPr>
+            <p:ph type="title"/>
+          </p:nvPr>
+        </p:nvSpPr>
+        <p:spPr/>
+        <p:txBody>
+          <a:bodyPr/>
+          <a:lstStyle/>
+          <a:p>
+            <a:r>
+              <a:rPr lang="en-US" dirty="0" smtClean="0"/>
+              <a:t>Introduction</a:t>
+            </a:r>
+            <a:endParaRPr lang="en-US" dirty="0"/>
+          </a:p>
+        </p:txBody>
+      </p:sp>
+      <p:sp>
+        <p:nvSpPr>
+          <p:cNvPr id="3" name="Text Placeholder 2"/>
+          <p:cNvSpPr>
+            <a:spLocks noGrp="1"/>
+          </p:cNvSpPr>
+          <p:nvPr>
+            <p:ph type="body" sz="quarter" idx="12"/>
+          </p:nvPr>
+        </p:nvSpPr>
+        <p:spPr/>
+        <p:txBody>
+          <a:bodyPr/>
+          <a:lstStyle/>
+          <a:p>
+            <a:endParaRPr lang="en-US"/>
+          </a:p>
+        </p:txBody>
+      </p:sp>
+    </p:spTree>
+    <p:extLst>
+      <p:ext uri="{BB962C8B-B14F-4D97-AF65-F5344CB8AC3E}">
+        <p14:creationId xmlns:p14="http://schemas.microsoft.com/office/powerpoint/2010/main" val="2304003953"/>
+      </p:ext>
+    </p:extLst>
+  </p:cSld>
+  <p:clrMapOvr>
+    <a:masterClrMapping/>
+  </p:clrMapOvr>
+  <mc:AlternateContent xmlns:mc="http://schemas.openxmlformats.org/markup-compatibility/2006" xmlns:p14="http://schemas.microsoft.com/office/powerpoint/2010/main">
+    <mc:Choice Requires="p14">
+      <p:transition spd="slow" p14:dur="3400">
+        <p14:reveal/>
+      </p:transition>
+    </mc:Choice>
+    <mc:Fallback xmlns="">
+      <p:transition spd="slow">
+        <p:fade/>
+      </p:transition>
+    </mc:Fallback>
+  </mc:AlternateContent>
+</p:sld>
+</file>
+
+<file path=ppt/slides/slide20.xml><?xml version="1.0" encoding="utf-8"?>
+<p:sld xmlns:a="http://schemas.openxmlformats.org/drawingml/2006/main" xmlns:r="http://schemas.openxmlformats.org/officeDocument/2006/relationships" xmlns:p="http://schemas.openxmlformats.org/presentationml/2006/main">
+  <p:cSld>
+    <p:spTree>
+      <p:nvGrpSpPr>
+        <p:cNvPr id="1" name=""/>
+        <p:cNvGrpSpPr/>
+        <p:nvPr/>
+      </p:nvGrpSpPr>
+      <p:grpSpPr>
+        <a:xfrm>
+          <a:off x="0" y="0"/>
+          <a:ext cx="0" cy="0"/>
+          <a:chOff x="0" y="0"/>
+          <a:chExt cx="0" cy="0"/>
+        </a:xfrm>
+      </p:grpSpPr>
+      <p:sp>
+        <p:nvSpPr>
+          <p:cNvPr id="2" name="Text Placeholder 1"/>
+          <p:cNvSpPr>
+            <a:spLocks noGrp="1"/>
+          </p:cNvSpPr>
+          <p:nvPr>
+            <p:ph type="body" sz="quarter" idx="10"/>
+          </p:nvPr>
+        </p:nvSpPr>
+        <p:spPr/>
+        <p:txBody>
+          <a:bodyPr/>
+          <a:lstStyle/>
+          <a:p>
+            <a:r>
+              <a:rPr lang="en-US" dirty="0" smtClean="0"/>
+              <a:t>Fiddler</a:t>
+            </a:r>
+          </a:p>
+          <a:p>
+            <a:pPr lvl="1" rtl="0" eaLnBrk="1" fontAlgn="auto" latinLnBrk="0" hangingPunct="1"/>
+            <a:r>
+              <a:rPr lang="en-US" dirty="0"/>
+              <a:t>Extension to view SharePoint 2013 App Tokens</a:t>
+            </a:r>
+          </a:p>
+          <a:p>
+            <a:pPr lvl="2" rtl="0" eaLnBrk="1" fontAlgn="auto" latinLnBrk="0" hangingPunct="1"/>
+            <a:r>
+              <a:rPr lang="en-US" sz="2000" kern="1200" spc="-70" baseline="0" dirty="0" smtClean="0">
+                <a:gradFill>
+                  <a:gsLst>
+                    <a:gs pos="100000">
+                      <a:schemeClr val="bg2"/>
+                    </a:gs>
+                    <a:gs pos="0">
+                      <a:schemeClr val="bg2"/>
+                    </a:gs>
+                  </a:gsLst>
+                  <a:lin ang="5400000" scaled="0"/>
+                </a:gradFill>
+                <a:effectLst/>
+                <a:latin typeface="+mj-lt"/>
+                <a:ea typeface="+mn-ea"/>
+                <a:cs typeface="+mn-cs"/>
+                <a:hlinkClick r:id="rId2"/>
+              </a:rPr>
+              <a:t>http://blogs.msdn.com/b/kaevans/archive/2013/08/25/creating-a-fiddler-extension-for-sharepoint-2013-app-tokens.aspx</a:t>
+            </a:r>
+            <a:r>
+              <a:rPr lang="en-US" sz="2000" kern="1200" spc="-70" baseline="0" dirty="0" smtClean="0">
+                <a:gradFill>
+                  <a:gsLst>
+                    <a:gs pos="100000">
+                      <a:schemeClr val="bg2"/>
+                    </a:gs>
+                    <a:gs pos="0">
+                      <a:schemeClr val="bg2"/>
+                    </a:gs>
+                  </a:gsLst>
+                  <a:lin ang="5400000" scaled="0"/>
+                </a:gradFill>
+                <a:effectLst/>
+                <a:latin typeface="+mj-lt"/>
+                <a:ea typeface="+mn-ea"/>
+                <a:cs typeface="+mn-cs"/>
+              </a:rPr>
+              <a:t> </a:t>
+            </a:r>
+            <a:endParaRPr lang="en-US" dirty="0" smtClean="0">
+              <a:effectLst/>
+            </a:endParaRPr>
+          </a:p>
+          <a:p>
+            <a:pPr lvl="0"/>
+            <a:r>
+              <a:rPr lang="en-US" dirty="0" smtClean="0"/>
+              <a:t>Online</a:t>
+            </a:r>
+          </a:p>
+          <a:p>
+            <a:pPr lvl="1"/>
+            <a:r>
+              <a:rPr lang="en-US" dirty="0" smtClean="0"/>
+              <a:t>Paste</a:t>
+            </a:r>
+            <a:r>
+              <a:rPr lang="en-US" baseline="0" dirty="0" smtClean="0"/>
+              <a:t> token in web page</a:t>
+            </a:r>
+          </a:p>
+          <a:p>
+            <a:pPr marL="231775" marR="0" lvl="2" indent="0" algn="l" defTabSz="914363" rtl="0" eaLnBrk="1" fontAlgn="auto" latinLnBrk="0" hangingPunct="1">
+              <a:lnSpc>
+                <a:spcPct val="90000"/>
+              </a:lnSpc>
+              <a:spcBef>
+                <a:spcPct val="20000"/>
+              </a:spcBef>
+              <a:spcAft>
+                <a:spcPts val="0"/>
+              </a:spcAft>
+              <a:buClrTx/>
+              <a:buSzPct val="90000"/>
+              <a:buFont typeface="Wingdings" pitchFamily="2" charset="2"/>
+              <a:buNone/>
+              <a:tabLst/>
+              <a:defRPr/>
+            </a:pPr>
+            <a:r>
+              <a:rPr lang="en-US" sz="2000" kern="1200" spc="0" baseline="0" dirty="0" smtClean="0">
+                <a:gradFill>
+                  <a:gsLst>
+                    <a:gs pos="100000">
+                      <a:schemeClr val="bg2"/>
+                    </a:gs>
+                    <a:gs pos="0">
+                      <a:schemeClr val="bg2"/>
+                    </a:gs>
+                  </a:gsLst>
+                  <a:lin ang="5400000" scaled="0"/>
+                </a:gradFill>
+                <a:effectLst/>
+                <a:latin typeface="+mn-lt"/>
+                <a:ea typeface="+mn-ea"/>
+                <a:cs typeface="+mn-cs"/>
+                <a:hlinkClick r:id="rId3"/>
+              </a:rPr>
+              <a:t>http://jwt.io/</a:t>
+            </a:r>
+            <a:r>
+              <a:rPr lang="en-US" sz="2000" kern="1200" spc="0" baseline="0" dirty="0" smtClean="0">
+                <a:gradFill>
+                  <a:gsLst>
+                    <a:gs pos="100000">
+                      <a:schemeClr val="bg2"/>
+                    </a:gs>
+                    <a:gs pos="0">
+                      <a:schemeClr val="bg2"/>
+                    </a:gs>
+                  </a:gsLst>
+                  <a:lin ang="5400000" scaled="0"/>
+                </a:gradFill>
+                <a:effectLst/>
+                <a:latin typeface="+mn-lt"/>
+                <a:ea typeface="+mn-ea"/>
+                <a:cs typeface="+mn-cs"/>
+              </a:rPr>
+              <a:t> </a:t>
+            </a:r>
+            <a:endParaRPr lang="en-US" dirty="0" smtClean="0">
+              <a:effectLst/>
+            </a:endParaRPr>
+          </a:p>
+          <a:p>
+            <a:pPr lvl="1"/>
+            <a:endParaRPr lang="en-US" dirty="0"/>
+          </a:p>
+        </p:txBody>
+      </p:sp>
+      <p:sp>
+        <p:nvSpPr>
+          <p:cNvPr id="3" name="Title 2"/>
+          <p:cNvSpPr>
+            <a:spLocks noGrp="1"/>
+          </p:cNvSpPr>
+          <p:nvPr>
+            <p:ph type="title"/>
+          </p:nvPr>
+        </p:nvSpPr>
+        <p:spPr/>
+        <p:txBody>
+          <a:bodyPr/>
+          <a:lstStyle/>
+          <a:p>
+            <a:r>
+              <a:rPr lang="en-US" dirty="0" smtClean="0"/>
+              <a:t>Troubleshooting Tokens</a:t>
+            </a:r>
+            <a:endParaRPr lang="en-US" dirty="0"/>
+          </a:p>
+        </p:txBody>
+      </p:sp>
+      <p:sp>
+        <p:nvSpPr>
+          <p:cNvPr id="4" name="Slide Number Placeholder 3"/>
+          <p:cNvSpPr>
+            <a:spLocks noGrp="1"/>
+          </p:cNvSpPr>
+          <p:nvPr>
+            <p:ph type="sldNum" sz="quarter" idx="12"/>
+          </p:nvPr>
+        </p:nvSpPr>
+        <p:spPr/>
+        <p:txBody>
+          <a:bodyPr/>
+          <a:lstStyle/>
+          <a:p>
+            <a:fld id="{727B4C2D-45E2-4621-8491-2995EB46A674}" type="slidenum">
+              <a:rPr lang="en-US" smtClean="0"/>
+              <a:pPr/>
+              <a:t>20</a:t>
+            </a:fld>
+            <a:endParaRPr lang="en-US" dirty="0"/>
+          </a:p>
+        </p:txBody>
+      </p:sp>
+      <p:pic>
+        <p:nvPicPr>
+          <p:cNvPr id="5" name="Picture 4"/>
+          <p:cNvPicPr>
+            <a:picLocks noChangeAspect="1"/>
+          </p:cNvPicPr>
+          <p:nvPr/>
+        </p:nvPicPr>
+        <p:blipFill>
+          <a:blip r:embed="rId4"/>
+          <a:stretch>
+            <a:fillRect/>
+          </a:stretch>
+        </p:blipFill>
+        <p:spPr>
+          <a:xfrm>
+            <a:off x="4786313" y="3257526"/>
+            <a:ext cx="6881812" cy="2843773"/>
+          </a:xfrm>
+          <a:prstGeom prst="rect">
+            <a:avLst/>
+          </a:prstGeom>
+        </p:spPr>
+      </p:pic>
+    </p:spTree>
+    <p:extLst>
+      <p:ext uri="{BB962C8B-B14F-4D97-AF65-F5344CB8AC3E}">
+        <p14:creationId xmlns:p14="http://schemas.microsoft.com/office/powerpoint/2010/main" val="2271130007"/>
+      </p:ext>
+    </p:extLst>
+  </p:cSld>
+  <p:clrMapOvr>
+    <a:masterClrMapping/>
+  </p:clrMapOvr>
+  <p:transition>
+    <p:fade/>
+  </p:transition>
+  <p:timing>
+    <p:tnLst>
+      <p:par>
+        <p:cTn id="1" dur="indefinite" restart="never" nodeType="tmRoot"/>
+      </p:par>
+    </p:tnLst>
+  </p:timing>
+</p:sld>
+</file>
+
+<file path=ppt/slides/slide21.xml><?xml version="1.0" encoding="utf-8"?>
+<p:sld xmlns:a="http://schemas.openxmlformats.org/drawingml/2006/main" xmlns:r="http://schemas.openxmlformats.org/officeDocument/2006/relationships" xmlns:p="http://schemas.openxmlformats.org/presentationml/2006/main">
+  <p:cSld>
+    <p:spTree>
+      <p:nvGrpSpPr>
+        <p:cNvPr id="1" name=""/>
+        <p:cNvGrpSpPr/>
+        <p:nvPr/>
+      </p:nvGrpSpPr>
+      <p:grpSpPr>
+        <a:xfrm>
+          <a:off x="0" y="0"/>
+          <a:ext cx="0" cy="0"/>
+          <a:chOff x="0" y="0"/>
+          <a:chExt cx="0" cy="0"/>
+        </a:xfrm>
+      </p:grpSpPr>
+      <p:sp>
+        <p:nvSpPr>
           <p:cNvPr id="3" name="Text Box 3"/>
           <p:cNvSpPr txBox="1">
             <a:spLocks noChangeArrowheads="1"/>
@@ -14704,90 +15589,6 @@
       </p:par>
     </p:tnLst>
   </p:timing>
-</p:sld>
-</file>
-
-<file path=ppt/slides/slide2.xml><?xml version="1.0" encoding="utf-8"?>
-<p:sld xmlns:a="http://schemas.openxmlformats.org/drawingml/2006/main" xmlns:r="http://schemas.openxmlformats.org/officeDocument/2006/relationships" xmlns:p="http://schemas.openxmlformats.org/presentationml/2006/main">
-  <p:cSld>
-    <p:spTree>
-      <p:nvGrpSpPr>
-        <p:cNvPr id="1" name=""/>
-        <p:cNvGrpSpPr/>
-        <p:nvPr/>
-      </p:nvGrpSpPr>
-      <p:grpSpPr>
-        <a:xfrm>
-          <a:off x="0" y="0"/>
-          <a:ext cx="0" cy="0"/>
-          <a:chOff x="0" y="0"/>
-          <a:chExt cx="0" cy="0"/>
-        </a:xfrm>
-      </p:grpSpPr>
-      <p:sp>
-        <p:nvSpPr>
-          <p:cNvPr id="2" name="Title 1"/>
-          <p:cNvSpPr>
-            <a:spLocks noGrp="1"/>
-          </p:cNvSpPr>
-          <p:nvPr>
-            <p:ph type="title"/>
-          </p:nvPr>
-        </p:nvSpPr>
-        <p:spPr/>
-        <p:txBody>
-          <a:bodyPr/>
-          <a:lstStyle/>
-          <a:p>
-            <a:r>
-              <a:rPr lang="en-US" dirty="0" smtClean="0"/>
-              <a:t>Introduction</a:t>
-            </a:r>
-            <a:endParaRPr lang="en-US" dirty="0"/>
-          </a:p>
-        </p:txBody>
-      </p:sp>
-      <p:sp>
-        <p:nvSpPr>
-          <p:cNvPr id="3" name="Text Placeholder 2"/>
-          <p:cNvSpPr>
-            <a:spLocks noGrp="1"/>
-          </p:cNvSpPr>
-          <p:nvPr>
-            <p:ph type="body" sz="quarter" idx="12"/>
-          </p:nvPr>
-        </p:nvSpPr>
-        <p:spPr/>
-        <p:txBody>
-          <a:bodyPr/>
-          <a:lstStyle/>
-          <a:p>
-            <a:endParaRPr lang="en-US"/>
-          </a:p>
-        </p:txBody>
-      </p:sp>
-    </p:spTree>
-    <p:extLst>
-      <p:ext uri="{BB962C8B-B14F-4D97-AF65-F5344CB8AC3E}">
-        <p14:creationId xmlns:p14="http://schemas.microsoft.com/office/powerpoint/2010/main" val="2304003953"/>
-      </p:ext>
-    </p:extLst>
-  </p:cSld>
-  <p:clrMapOvr>
-    <a:masterClrMapping/>
-  </p:clrMapOvr>
-  <mc:AlternateContent xmlns:mc="http://schemas.openxmlformats.org/markup-compatibility/2006" xmlns:p14="http://schemas.microsoft.com/office/powerpoint/2010/main">
-    <mc:Choice Requires="p14">
-      <p:transition spd="slow" p14:dur="3400">
-        <p14:reveal/>
-      </p:transition>
-    </mc:Choice>
-    <mc:Fallback xmlns="">
-      <p:transition spd="slow">
-        <p:fade/>
-      </p:transition>
-    </mc:Fallback>
-  </mc:AlternateContent>
 </p:sld>
 </file>
 
@@ -18569,24 +19370,6 @@
 </file>
 
 <file path=customXml/item1.xml><?xml version="1.0" encoding="utf-8"?>
-<p:properties xmlns:p="http://schemas.microsoft.com/office/2006/metadata/properties" xmlns:xsi="http://www.w3.org/2001/XMLSchema-instance" xmlns:pc="http://schemas.microsoft.com/office/infopath/2007/PartnerControls">
-  <documentManagement>
-    <Company xmlns="http://schemas.microsoft.com/sharepoint/v3">Critical Path</Company>
-    <Project xmlns="c7dd7a47-5eb0-4219-9c75-8258c822be9e" xsi:nil="true"/>
-  </documentManagement>
-</p:properties>
-</file>
-
-<file path=customXml/item2.xml><?xml version="1.0" encoding="utf-8"?>
-<?mso-contentType ?>
-<FormTemplates xmlns="http://schemas.microsoft.com/sharepoint/v3/contenttype/forms">
-  <Display>DocumentLibraryForm</Display>
-  <Edit>DocumentLibraryForm</Edit>
-  <New>DocumentLibraryForm</New>
-</FormTemplates>
-</file>
-
-<file path=customXml/item3.xml><?xml version="1.0" encoding="utf-8"?>
 <ct:contentTypeSchema xmlns:ct="http://schemas.microsoft.com/office/2006/metadata/contentType" xmlns:ma="http://schemas.microsoft.com/office/2006/metadata/properties/metaAttributes" ct:_="" ma:_="" ma:contentTypeName="Document" ma:contentTypeID="0x0101006D61B4CFCB5D8D4A8E65D32A29D8DB3E" ma:contentTypeVersion="3" ma:contentTypeDescription="Create a new document." ma:contentTypeScope="" ma:versionID="f0276697cd14aa124c054602ce8fe3c5">
   <xsd:schema xmlns:xsd="http://www.w3.org/2001/XMLSchema" xmlns:xs="http://www.w3.org/2001/XMLSchema" xmlns:p="http://schemas.microsoft.com/office/2006/metadata/properties" xmlns:ns1="http://schemas.microsoft.com/sharepoint/v3" xmlns:ns2="c7dd7a47-5eb0-4219-9c75-8258c822be9e" targetNamespace="http://schemas.microsoft.com/office/2006/metadata/properties" ma:root="true" ma:fieldsID="ce85d22485e5625b9ccd59583b658dde" ns1:_="" ns2:_="">
     <xsd:import namespace="http://schemas.microsoft.com/sharepoint/v3"/>
@@ -18725,32 +19508,25 @@
 </ct:contentTypeSchema>
 </file>
 
-<file path=customXml/itemProps1.xml><?xml version="1.0" encoding="utf-8"?>
-<ds:datastoreItem xmlns:ds="http://schemas.openxmlformats.org/officeDocument/2006/customXml" ds:itemID="{DA593625-DB14-4FB0-B5A9-3269FA9C120B}">
-  <ds:schemaRefs>
-    <ds:schemaRef ds:uri="http://schemas.openxmlformats.org/package/2006/metadata/core-properties"/>
-    <ds:schemaRef ds:uri="http://purl.org/dc/elements/1.1/"/>
-    <ds:schemaRef ds:uri="http://www.w3.org/XML/1998/namespace"/>
-    <ds:schemaRef ds:uri="http://purl.org/dc/dcmitype/"/>
-    <ds:schemaRef ds:uri="c7dd7a47-5eb0-4219-9c75-8258c822be9e"/>
-    <ds:schemaRef ds:uri="http://schemas.microsoft.com/sharepoint/v3"/>
-    <ds:schemaRef ds:uri="http://purl.org/dc/terms/"/>
-    <ds:schemaRef ds:uri="http://schemas.microsoft.com/office/2006/documentManagement/types"/>
-    <ds:schemaRef ds:uri="http://schemas.microsoft.com/office/infopath/2007/PartnerControls"/>
-    <ds:schemaRef ds:uri="http://schemas.microsoft.com/office/2006/metadata/properties"/>
-  </ds:schemaRefs>
-</ds:datastoreItem>
+<file path=customXml/item2.xml><?xml version="1.0" encoding="utf-8"?>
+<?mso-contentType ?>
+<FormTemplates xmlns="http://schemas.microsoft.com/sharepoint/v3/contenttype/forms">
+  <Display>DocumentLibraryForm</Display>
+  <Edit>DocumentLibraryForm</Edit>
+  <New>DocumentLibraryForm</New>
+</FormTemplates>
 </file>
 
-<file path=customXml/itemProps2.xml><?xml version="1.0" encoding="utf-8"?>
-<ds:datastoreItem xmlns:ds="http://schemas.openxmlformats.org/officeDocument/2006/customXml" ds:itemID="{E1E0CE18-CA03-4891-9CD8-3448778E3D53}">
-  <ds:schemaRefs>
-    <ds:schemaRef ds:uri="http://schemas.microsoft.com/sharepoint/v3/contenttype/forms"/>
-  </ds:schemaRefs>
-</ds:datastoreItem>
+<file path=customXml/item3.xml><?xml version="1.0" encoding="utf-8"?>
+<p:properties xmlns:p="http://schemas.microsoft.com/office/2006/metadata/properties" xmlns:xsi="http://www.w3.org/2001/XMLSchema-instance" xmlns:pc="http://schemas.microsoft.com/office/infopath/2007/PartnerControls">
+  <documentManagement>
+    <Company xmlns="http://schemas.microsoft.com/sharepoint/v3">Critical Path</Company>
+    <Project xmlns="c7dd7a47-5eb0-4219-9c75-8258c822be9e" xsi:nil="true"/>
+  </documentManagement>
+</p:properties>
 </file>
 
-<file path=customXml/itemProps3.xml><?xml version="1.0" encoding="utf-8"?>
+<file path=customXml/itemProps1.xml><?xml version="1.0" encoding="utf-8"?>
 <ds:datastoreItem xmlns:ds="http://schemas.openxmlformats.org/officeDocument/2006/customXml" ds:itemID="{32078E1A-D2E2-4564-A309-CC02D4FE52EE}">
   <ds:schemaRefs>
     <ds:schemaRef ds:uri="http://schemas.microsoft.com/office/2006/metadata/contentType"/>
@@ -18767,4 +19543,29 @@
     <ds:schemaRef ds:uri="http://schemas.microsoft.com/internal/obd"/>
   </ds:schemaRefs>
 </ds:datastoreItem>
+</file>
+
+<file path=customXml/itemProps2.xml><?xml version="1.0" encoding="utf-8"?>
+<ds:datastoreItem xmlns:ds="http://schemas.openxmlformats.org/officeDocument/2006/customXml" ds:itemID="{E1E0CE18-CA03-4891-9CD8-3448778E3D53}">
+  <ds:schemaRefs>
+    <ds:schemaRef ds:uri="http://schemas.microsoft.com/sharepoint/v3/contenttype/forms"/>
+  </ds:schemaRefs>
+</ds:datastoreItem>
+</file>
+
+<file path=customXml/itemProps3.xml><?xml version="1.0" encoding="utf-8"?>
+<ds:datastoreItem xmlns:ds="http://schemas.openxmlformats.org/officeDocument/2006/customXml" ds:itemID="{DA593625-DB14-4FB0-B5A9-3269FA9C120B}">
+  <ds:schemaRefs>
+    <ds:schemaRef ds:uri="http://purl.org/dc/dcmitype/"/>
+    <ds:schemaRef ds:uri="http://www.w3.org/XML/1998/namespace"/>
+    <ds:schemaRef ds:uri="http://schemas.microsoft.com/office/2006/metadata/properties"/>
+    <ds:schemaRef ds:uri="http://schemas.microsoft.com/office/2006/documentManagement/types"/>
+    <ds:schemaRef ds:uri="http://schemas.microsoft.com/office/infopath/2007/PartnerControls"/>
+    <ds:schemaRef ds:uri="http://purl.org/dc/terms/"/>
+    <ds:schemaRef ds:uri="http://purl.org/dc/elements/1.1/"/>
+    <ds:schemaRef ds:uri="http://schemas.openxmlformats.org/package/2006/metadata/core-properties"/>
+    <ds:schemaRef ds:uri="c7dd7a47-5eb0-4219-9c75-8258c822be9e"/>
+    <ds:schemaRef ds:uri="http://schemas.microsoft.com/sharepoint/v3"/>
+  </ds:schemaRefs>
+</ds:datastoreItem>
 </file>
--- a/O3653-1 Deep Dive into Azure AD with the Office 365 APIs/O3653-1 Deep Dive into Azure AD with the Office 365 APIs.pptx
+++ b/O3653-1 Deep Dive into Azure AD with the Office 365 APIs/O3653-1 Deep Dive into Azure AD with the Office 365 APIs.pptx
@@ -335,7 +335,7 @@
           <a:p>
             <a:fld id="{DE219B1A-AE41-483B-A766-69B9363DDA6A}" type="datetimeFigureOut">
               <a:rPr lang="en-US" smtClean="0"/>
-              <a:t>9/10/2014</a:t>
+              <a:t>9/29/2014</a:t>
             </a:fld>
             <a:endParaRPr lang="en-US"/>
           </a:p>
@@ -617,7 +617,7 @@
           <a:p>
             <a:fld id="{D51B1278-D92B-4AF3-A9C1-71DD298190CE}" type="datetimeFigureOut">
               <a:rPr lang="en-US" smtClean="0"/>
-              <a:t>9/10/2014</a:t>
+              <a:t>9/29/2014</a:t>
             </a:fld>
             <a:endParaRPr lang="en-US"/>
           </a:p>
@@ -1159,7 +1159,7 @@
           <a:p>
             <a:fld id="{B079C3B8-7366-4A44-A34B-3977080C19E7}" type="datetime1">
               <a:rPr lang="en-US" smtClean="0"/>
-              <a:t>9/10/2014</a:t>
+              <a:t>9/29/2014</a:t>
             </a:fld>
             <a:endParaRPr lang="en-US" dirty="0"/>
           </a:p>
@@ -1298,7 +1298,7 @@
           <a:p>
             <a:fld id="{14FEFE75-68DA-4913-B3E8-A4425B5A08D2}" type="datetime1">
               <a:rPr lang="en-US" smtClean="0"/>
-              <a:t>9/10/2014</a:t>
+              <a:t>9/29/2014</a:t>
             </a:fld>
             <a:endParaRPr lang="en-US"/>
           </a:p>
@@ -1529,7 +1529,7 @@
           <a:p>
             <a:fld id="{1389B73A-886E-4158-A147-4A30216E9FF4}" type="datetime1">
               <a:rPr lang="en-US" smtClean="0"/>
-              <a:t>9/10/2014</a:t>
+              <a:t>9/29/2014</a:t>
             </a:fld>
             <a:endParaRPr lang="en-US"/>
           </a:p>
@@ -1735,7 +1735,7 @@
           <a:p>
             <a:fld id="{B724C4EE-F663-444A-A194-1DBD96517A32}" type="datetime1">
               <a:rPr lang="en-US" smtClean="0"/>
-              <a:t>9/10/2014</a:t>
+              <a:t>9/29/2014</a:t>
             </a:fld>
             <a:endParaRPr lang="en-US"/>
           </a:p>
@@ -2052,7 +2052,7 @@
           <a:p>
             <a:fld id="{0BB6559B-C68D-49B4-97AE-9BB74C417927}" type="datetime1">
               <a:rPr lang="en-US" smtClean="0"/>
-              <a:t>9/10/2014</a:t>
+              <a:t>9/29/2014</a:t>
             </a:fld>
             <a:endParaRPr lang="en-US"/>
           </a:p>
@@ -2232,7 +2232,7 @@
                 </a:solidFill>
               </a:rPr>
               <a:pPr/>
-              <a:t>9/10/2014</a:t>
+              <a:t>9/29/2014</a:t>
             </a:fld>
             <a:endParaRPr lang="en-US" dirty="0">
               <a:solidFill>
@@ -2388,7 +2388,7 @@
           <a:p>
             <a:fld id="{0056F32C-2241-48E6-8388-F77F68CEAFB8}" type="datetime1">
               <a:rPr lang="en-US" smtClean="0"/>
-              <a:t>9/10/2014</a:t>
+              <a:t>9/29/2014</a:t>
             </a:fld>
             <a:endParaRPr lang="en-US"/>
           </a:p>
@@ -2594,7 +2594,7 @@
           <a:p>
             <a:fld id="{9D411708-D367-4C5A-9983-F6101344A5A8}" type="datetime1">
               <a:rPr lang="en-US" smtClean="0"/>
-              <a:t>9/10/2014</a:t>
+              <a:t>9/29/2014</a:t>
             </a:fld>
             <a:endParaRPr lang="en-US"/>
           </a:p>
@@ -2844,7 +2844,7 @@
           <a:p>
             <a:fld id="{CB5694A4-E5F5-4266-9443-10864A972286}" type="datetime1">
               <a:rPr lang="en-US" smtClean="0"/>
-              <a:t>9/10/2014</a:t>
+              <a:t>9/29/2014</a:t>
             </a:fld>
             <a:endParaRPr lang="en-US"/>
           </a:p>
@@ -3078,7 +3078,7 @@
           <a:p>
             <a:fld id="{6B8BF90D-BD61-43D7-93E0-6CBEC8B2313A}" type="datetime1">
               <a:rPr lang="en-US" smtClean="0"/>
-              <a:t>9/10/2014</a:t>
+              <a:t>9/29/2014</a:t>
             </a:fld>
             <a:endParaRPr lang="en-US"/>
           </a:p>
@@ -3288,7 +3288,7 @@
           <a:p>
             <a:fld id="{4883B839-3E2D-461F-9C7C-0ECB651581FB}" type="datetime1">
               <a:rPr lang="en-US" smtClean="0"/>
-              <a:t>9/10/2014</a:t>
+              <a:t>9/29/2014</a:t>
             </a:fld>
             <a:endParaRPr lang="en-US"/>
           </a:p>
@@ -3506,7 +3506,7 @@
           <a:p>
             <a:fld id="{9B6FC0A4-BFAA-4D5E-985B-0D17E8A86BD3}" type="datetime1">
               <a:rPr lang="en-US" smtClean="0"/>
-              <a:t>9/10/2014</a:t>
+              <a:t>9/29/2014</a:t>
             </a:fld>
             <a:endParaRPr lang="en-US"/>
           </a:p>
@@ -3697,11 +3697,7 @@
             </a:r>
             <a:r>
               <a:rPr lang="en-US" baseline="0" dirty="0" smtClean="0"/>
-              <a:t> app demonstrates the results of the API steps. The App *does not* use the O365 libraries, rather uses raw calls to the endpoints. This demo is intended to show the underlying functionality rather than hide it behind the library</a:t>
-            </a:r>
-            <a:r>
-              <a:rPr lang="en-US" baseline="0" dirty="0" smtClean="0"/>
-              <a:t>.</a:t>
+              <a:t> app demonstrates the results of the API steps. The App *does not* use the O365 libraries, rather uses raw calls to the endpoints. This demo is intended to show the underlying functionality rather than hide it behind the library.</a:t>
             </a:r>
           </a:p>
           <a:p>
@@ -3738,7 +3734,7 @@
           <a:p>
             <a:fld id="{6B8BF90D-BD61-43D7-93E0-6CBEC8B2313A}" type="datetime1">
               <a:rPr lang="en-US" smtClean="0"/>
-              <a:t>9/10/2014</a:t>
+              <a:t>9/29/2014</a:t>
             </a:fld>
             <a:endParaRPr lang="en-US"/>
           </a:p>
@@ -14764,23 +14760,7 @@
                 <a:ea typeface="Calibri" panose="020F0502020204030204" pitchFamily="34" charset="0"/>
                 <a:cs typeface="Times New Roman" panose="02020603050405020304" pitchFamily="18" charset="0"/>
               </a:rPr>
-              <a:t>{"error":"invalid_grant","error_description":"AADSTS70002: Error validating credentials. AADSTS50011: The reply address </a:t>
-            </a:r>
-            <a:r>
-              <a:rPr lang="en-US" dirty="0">
-                <a:latin typeface="Lucida Console" panose="020B0609040504020204" pitchFamily="49" charset="0"/>
-                <a:ea typeface="Calibri" panose="020F0502020204030204" pitchFamily="34" charset="0"/>
-                <a:cs typeface="Times New Roman" panose="02020603050405020304" pitchFamily="18" charset="0"/>
-              </a:rPr>
-              <a:t>'http://localhost:40298/Home/Discovery' </a:t>
-            </a:r>
-            <a:r>
-              <a:rPr lang="en-US" dirty="0">
-                <a:latin typeface="Lucida Console" panose="020B0609040504020204" pitchFamily="49" charset="0"/>
-                <a:ea typeface="Calibri" panose="020F0502020204030204" pitchFamily="34" charset="0"/>
-                <a:cs typeface="Times New Roman" panose="02020603050405020304" pitchFamily="18" charset="0"/>
-              </a:rPr>
-              <a:t>is not valid</a:t>
+              <a:t>{"error":"invalid_grant","error_description":"AADSTS70002: Error validating credentials. AADSTS50011: The reply address 'http://localhost:40298/Home/Discovery' is not valid</a:t>
             </a:r>
             <a:r>
               <a:rPr lang="en-US" dirty="0" smtClean="0">
@@ -19509,21 +19489,21 @@
 </file>
 
 <file path=customXml/item2.xml><?xml version="1.0" encoding="utf-8"?>
+<p:properties xmlns:p="http://schemas.microsoft.com/office/2006/metadata/properties" xmlns:xsi="http://www.w3.org/2001/XMLSchema-instance" xmlns:pc="http://schemas.microsoft.com/office/infopath/2007/PartnerControls">
+  <documentManagement>
+    <Company xmlns="http://schemas.microsoft.com/sharepoint/v3">Critical Path</Company>
+    <Project xmlns="c7dd7a47-5eb0-4219-9c75-8258c822be9e" xsi:nil="true"/>
+  </documentManagement>
+</p:properties>
+</file>
+
+<file path=customXml/item3.xml><?xml version="1.0" encoding="utf-8"?>
 <?mso-contentType ?>
 <FormTemplates xmlns="http://schemas.microsoft.com/sharepoint/v3/contenttype/forms">
   <Display>DocumentLibraryForm</Display>
   <Edit>DocumentLibraryForm</Edit>
   <New>DocumentLibraryForm</New>
 </FormTemplates>
-</file>
-
-<file path=customXml/item3.xml><?xml version="1.0" encoding="utf-8"?>
-<p:properties xmlns:p="http://schemas.microsoft.com/office/2006/metadata/properties" xmlns:xsi="http://www.w3.org/2001/XMLSchema-instance" xmlns:pc="http://schemas.microsoft.com/office/infopath/2007/PartnerControls">
-  <documentManagement>
-    <Company xmlns="http://schemas.microsoft.com/sharepoint/v3">Critical Path</Company>
-    <Project xmlns="c7dd7a47-5eb0-4219-9c75-8258c822be9e" xsi:nil="true"/>
-  </documentManagement>
-</p:properties>
 </file>
 
 <file path=customXml/itemProps1.xml><?xml version="1.0" encoding="utf-8"?>
@@ -19546,14 +19526,6 @@
 </file>
 
 <file path=customXml/itemProps2.xml><?xml version="1.0" encoding="utf-8"?>
-<ds:datastoreItem xmlns:ds="http://schemas.openxmlformats.org/officeDocument/2006/customXml" ds:itemID="{E1E0CE18-CA03-4891-9CD8-3448778E3D53}">
-  <ds:schemaRefs>
-    <ds:schemaRef ds:uri="http://schemas.microsoft.com/sharepoint/v3/contenttype/forms"/>
-  </ds:schemaRefs>
-</ds:datastoreItem>
-</file>
-
-<file path=customXml/itemProps3.xml><?xml version="1.0" encoding="utf-8"?>
 <ds:datastoreItem xmlns:ds="http://schemas.openxmlformats.org/officeDocument/2006/customXml" ds:itemID="{DA593625-DB14-4FB0-B5A9-3269FA9C120B}">
   <ds:schemaRefs>
     <ds:schemaRef ds:uri="http://purl.org/dc/dcmitype/"/>
@@ -19568,4 +19540,12 @@
     <ds:schemaRef ds:uri="http://schemas.microsoft.com/sharepoint/v3"/>
   </ds:schemaRefs>
 </ds:datastoreItem>
+</file>
+
+<file path=customXml/itemProps3.xml><?xml version="1.0" encoding="utf-8"?>
+<ds:datastoreItem xmlns:ds="http://schemas.openxmlformats.org/officeDocument/2006/customXml" ds:itemID="{E1E0CE18-CA03-4891-9CD8-3448778E3D53}">
+  <ds:schemaRefs>
+    <ds:schemaRef ds:uri="http://schemas.microsoft.com/sharepoint/v3/contenttype/forms"/>
+  </ds:schemaRefs>
+</ds:datastoreItem>
 </file>
--- a/O3653-1 Deep Dive into Azure AD with the Office 365 APIs/O3653-1 Deep Dive into Azure AD with the Office 365 APIs.pptx
+++ b/O3653-1 Deep Dive into Azure AD with the Office 365 APIs/O3653-1 Deep Dive into Azure AD with the Office 365 APIs.pptx
@@ -343,7 +343,7 @@
           <a:p>
             <a:fld id="{DE219B1A-AE41-483B-A766-69B9363DDA6A}" type="datetimeFigureOut">
               <a:rPr lang="en-US" smtClean="0"/>
-              <a:t>10/3/2014</a:t>
+              <a:t>10/5/2014</a:t>
             </a:fld>
             <a:endParaRPr lang="en-US"/>
           </a:p>
@@ -625,7 +625,7 @@
           <a:p>
             <a:fld id="{D51B1278-D92B-4AF3-A9C1-71DD298190CE}" type="datetimeFigureOut">
               <a:rPr lang="en-US" smtClean="0"/>
-              <a:t>10/3/2014</a:t>
+              <a:t>10/5/2014</a:t>
             </a:fld>
             <a:endParaRPr lang="en-US"/>
           </a:p>
@@ -1228,7 +1228,7 @@
           <a:p>
             <a:fld id="{6B8BF90D-BD61-43D7-93E0-6CBEC8B2313A}" type="datetime1">
               <a:rPr lang="en-US" smtClean="0"/>
-              <a:t>10/3/2014</a:t>
+              <a:t>10/5/2014</a:t>
             </a:fld>
             <a:endParaRPr lang="en-US"/>
           </a:p>
@@ -1442,7 +1442,7 @@
           <a:p>
             <a:fld id="{14FEFE75-68DA-4913-B3E8-A4425B5A08D2}" type="datetime1">
               <a:rPr lang="en-US" smtClean="0"/>
-              <a:t>10/3/2014</a:t>
+              <a:t>10/5/2014</a:t>
             </a:fld>
             <a:endParaRPr lang="en-US"/>
           </a:p>
@@ -1673,7 +1673,7 @@
           <a:p>
             <a:fld id="{1389B73A-886E-4158-A147-4A30216E9FF4}" type="datetime1">
               <a:rPr lang="en-US" smtClean="0"/>
-              <a:t>10/3/2014</a:t>
+              <a:t>10/5/2014</a:t>
             </a:fld>
             <a:endParaRPr lang="en-US"/>
           </a:p>
@@ -1879,7 +1879,7 @@
           <a:p>
             <a:fld id="{B724C4EE-F663-444A-A194-1DBD96517A32}" type="datetime1">
               <a:rPr lang="en-US" smtClean="0"/>
-              <a:t>10/3/2014</a:t>
+              <a:t>10/5/2014</a:t>
             </a:fld>
             <a:endParaRPr lang="en-US"/>
           </a:p>
@@ -2095,7 +2095,7 @@
                 </a:solidFill>
               </a:rPr>
               <a:pPr/>
-              <a:t>10/3/2014</a:t>
+              <a:t>10/5/2014</a:t>
             </a:fld>
             <a:endParaRPr lang="en-US" dirty="0">
               <a:solidFill>
@@ -2291,7 +2291,7 @@
           <a:p>
             <a:fld id="{E74353ED-ACB2-44BF-A903-985B0AF962B7}" type="datetime1">
               <a:rPr lang="en-US" smtClean="0"/>
-              <a:t>10/3/2014</a:t>
+              <a:t>10/5/2014</a:t>
             </a:fld>
             <a:endParaRPr lang="en-US" dirty="0"/>
           </a:p>
@@ -2510,7 +2510,7 @@
           <a:p>
             <a:fld id="{0BB6559B-C68D-49B4-97AE-9BB74C417927}" type="datetime1">
               <a:rPr lang="en-US" smtClean="0"/>
-              <a:t>10/3/2014</a:t>
+              <a:t>10/5/2014</a:t>
             </a:fld>
             <a:endParaRPr lang="en-US"/>
           </a:p>
@@ -2671,7 +2671,7 @@
           <a:p>
             <a:fld id="{B079C3B8-7366-4A44-A34B-3977080C19E7}" type="datetime1">
               <a:rPr lang="en-US" smtClean="0"/>
-              <a:t>10/3/2014</a:t>
+              <a:t>10/5/2014</a:t>
             </a:fld>
             <a:endParaRPr lang="en-US" dirty="0"/>
           </a:p>
@@ -2875,7 +2875,7 @@
                 </a:solidFill>
               </a:rPr>
               <a:pPr/>
-              <a:t>10/3/2014</a:t>
+              <a:t>10/5/2014</a:t>
             </a:fld>
             <a:endParaRPr lang="en-US" dirty="0">
               <a:solidFill>
@@ -3031,7 +3031,7 @@
           <a:p>
             <a:fld id="{0056F32C-2241-48E6-8388-F77F68CEAFB8}" type="datetime1">
               <a:rPr lang="en-US" smtClean="0"/>
-              <a:t>10/3/2014</a:t>
+              <a:t>10/5/2014</a:t>
             </a:fld>
             <a:endParaRPr lang="en-US"/>
           </a:p>
@@ -3237,7 +3237,7 @@
           <a:p>
             <a:fld id="{9D411708-D367-4C5A-9983-F6101344A5A8}" type="datetime1">
               <a:rPr lang="en-US" smtClean="0"/>
-              <a:t>10/3/2014</a:t>
+              <a:t>10/5/2014</a:t>
             </a:fld>
             <a:endParaRPr lang="en-US"/>
           </a:p>
@@ -3487,7 +3487,7 @@
           <a:p>
             <a:fld id="{CB5694A4-E5F5-4266-9443-10864A972286}" type="datetime1">
               <a:rPr lang="en-US" smtClean="0"/>
-              <a:t>10/3/2014</a:t>
+              <a:t>10/5/2014</a:t>
             </a:fld>
             <a:endParaRPr lang="en-US"/>
           </a:p>
@@ -3721,7 +3721,7 @@
           <a:p>
             <a:fld id="{6B8BF90D-BD61-43D7-93E0-6CBEC8B2313A}" type="datetime1">
               <a:rPr lang="en-US" smtClean="0"/>
-              <a:t>10/3/2014</a:t>
+              <a:t>10/5/2014</a:t>
             </a:fld>
             <a:endParaRPr lang="en-US"/>
           </a:p>
@@ -3931,7 +3931,7 @@
           <a:p>
             <a:fld id="{4883B839-3E2D-461F-9C7C-0ECB651581FB}" type="datetime1">
               <a:rPr lang="en-US" smtClean="0"/>
-              <a:t>10/3/2014</a:t>
+              <a:t>10/5/2014</a:t>
             </a:fld>
             <a:endParaRPr lang="en-US"/>
           </a:p>
@@ -4149,7 +4149,7 @@
           <a:p>
             <a:fld id="{9B6FC0A4-BFAA-4D5E-985B-0D17E8A86BD3}" type="datetime1">
               <a:rPr lang="en-US" smtClean="0"/>
-              <a:t>10/3/2014</a:t>
+              <a:t>10/5/2014</a:t>
             </a:fld>
             <a:endParaRPr lang="en-US"/>
           </a:p>
@@ -14088,10 +14088,6 @@
           <a:bodyPr/>
           <a:lstStyle/>
           <a:p>
-            <a:r>
-              <a:rPr lang="en-US" dirty="0"/>
-              <a:t>October 2014</a:t>
-            </a:r>
             <a:endParaRPr lang="en-US" dirty="0"/>
           </a:p>
         </p:txBody>
@@ -17918,7 +17914,7 @@
                 <a:gridCol w="5760278">
                   <a:extLst>
                     <a:ext uri="{9D8B030D-6E8A-4147-A177-3AD203B41FA5}">
-                      <a16:colId xmlns:a16="http://schemas.microsoft.com/office/drawing/2014/main" val="1253488153"/>
+                      <a16:colId xmlns:a16="http://schemas.microsoft.com/office/drawing/2014/main" xmlns="" val="1253488153"/>
                     </a:ext>
                   </a:extLst>
                 </a:gridCol>
@@ -17944,7 +17940,7 @@
                 </a:tc>
                 <a:extLst>
                   <a:ext uri="{0D108BD9-81ED-4DB2-BD59-A6C34878D82A}">
-                    <a16:rowId xmlns:a16="http://schemas.microsoft.com/office/drawing/2014/main" val="829859176"/>
+                    <a16:rowId xmlns:a16="http://schemas.microsoft.com/office/drawing/2014/main" xmlns="" val="829859176"/>
                   </a:ext>
                 </a:extLst>
               </a:tr>
@@ -17956,11 +17952,7 @@
                     <a:p>
                       <a:r>
                         <a:rPr lang="en-US" sz="1800" b="0" dirty="0" smtClean="0"/>
-                        <a:t>Module 1: </a:t>
-                      </a:r>
-                      <a:r>
-                        <a:rPr lang="en-US" sz="1800" b="0" dirty="0" smtClean="0"/>
-                        <a:t>Introduction</a:t>
+                        <a:t>Module 1: Introduction</a:t>
                       </a:r>
                       <a:r>
                         <a:rPr lang="en-US" sz="1800" b="0" baseline="0" dirty="0" smtClean="0"/>
@@ -17973,7 +17965,7 @@
                 </a:tc>
                 <a:extLst>
                   <a:ext uri="{0D108BD9-81ED-4DB2-BD59-A6C34878D82A}">
-                    <a16:rowId xmlns:a16="http://schemas.microsoft.com/office/drawing/2014/main" val="1946132611"/>
+                    <a16:rowId xmlns:a16="http://schemas.microsoft.com/office/drawing/2014/main" xmlns="" val="1946132611"/>
                   </a:ext>
                 </a:extLst>
               </a:tr>
@@ -18006,11 +17998,7 @@
                       </a:r>
                       <a:r>
                         <a:rPr lang="en-US" sz="1800" b="0" baseline="0" dirty="0" smtClean="0"/>
-                        <a:t> </a:t>
-                      </a:r>
-                      <a:r>
-                        <a:rPr lang="en-US" sz="1800" b="0" baseline="0" dirty="0" smtClean="0"/>
-                        <a:t>Office</a:t>
+                        <a:t> Office</a:t>
                       </a:r>
                       <a:endParaRPr lang="en-US" sz="1800" b="0" dirty="0" smtClean="0"/>
                     </a:p>
@@ -18019,7 +18007,7 @@
                 </a:tc>
                 <a:extLst>
                   <a:ext uri="{0D108BD9-81ED-4DB2-BD59-A6C34878D82A}">
-                    <a16:rowId xmlns:a16="http://schemas.microsoft.com/office/drawing/2014/main" val="3204002662"/>
+                    <a16:rowId xmlns:a16="http://schemas.microsoft.com/office/drawing/2014/main" xmlns="" val="3204002662"/>
                   </a:ext>
                 </a:extLst>
               </a:tr>
@@ -18050,14 +18038,13 @@
                         <a:rPr lang="en-US" sz="1800" b="0" dirty="0" smtClean="0"/>
                         <a:t>Module 3: Getting started with Apps for SharePoint</a:t>
                       </a:r>
-                      <a:endParaRPr lang="en-US" sz="1800" b="0" dirty="0" smtClean="0"/>
                     </a:p>
                   </a:txBody>
                   <a:tcPr marL="67371" marR="67371" marT="33685" marB="33685" anchor="ctr"/>
                 </a:tc>
                 <a:extLst>
                   <a:ext uri="{0D108BD9-81ED-4DB2-BD59-A6C34878D82A}">
-                    <a16:rowId xmlns:a16="http://schemas.microsoft.com/office/drawing/2014/main" val="3774542436"/>
+                    <a16:rowId xmlns:a16="http://schemas.microsoft.com/office/drawing/2014/main" xmlns="" val="3774542436"/>
                   </a:ext>
                 </a:extLst>
               </a:tr>
@@ -18109,7 +18096,7 @@
                 </a:tc>
                 <a:extLst>
                   <a:ext uri="{0D108BD9-81ED-4DB2-BD59-A6C34878D82A}">
-                    <a16:rowId xmlns:a16="http://schemas.microsoft.com/office/drawing/2014/main" val="4266278162"/>
+                    <a16:rowId xmlns:a16="http://schemas.microsoft.com/office/drawing/2014/main" xmlns="" val="4266278162"/>
                   </a:ext>
                 </a:extLst>
               </a:tr>
@@ -18146,7 +18133,7 @@
                 </a:tc>
                 <a:extLst>
                   <a:ext uri="{0D108BD9-81ED-4DB2-BD59-A6C34878D82A}">
-                    <a16:rowId xmlns:a16="http://schemas.microsoft.com/office/drawing/2014/main" val="1208832343"/>
+                    <a16:rowId xmlns:a16="http://schemas.microsoft.com/office/drawing/2014/main" xmlns="" val="1208832343"/>
                   </a:ext>
                 </a:extLst>
               </a:tr>
@@ -18181,7 +18168,6 @@
               <a:rPr lang="en-US" sz="3600" spc="-70" dirty="0" smtClean="0"/>
               <a:t>dev.office.com/training</a:t>
             </a:r>
-            <a:endParaRPr lang="en-US" sz="3600" spc="-70" dirty="0" smtClean="0"/>
           </a:p>
         </p:txBody>
       </p:sp>
@@ -22375,13 +22361,13 @@
   <p:clrMapOvr>
     <a:masterClrMapping/>
   </p:clrMapOvr>
-  <mc:AlternateContent xmlns:mc="http://schemas.openxmlformats.org/markup-compatibility/2006">
-    <mc:Choice xmlns:p14="http://schemas.microsoft.com/office/powerpoint/2010/main" Requires="p14">
+  <mc:AlternateContent xmlns:mc="http://schemas.openxmlformats.org/markup-compatibility/2006" xmlns:p14="http://schemas.microsoft.com/office/powerpoint/2010/main">
+    <mc:Choice Requires="p14">
       <p:transition spd="med" p14:dur="700">
         <p:fade/>
       </p:transition>
     </mc:Choice>
-    <mc:Fallback>
+    <mc:Fallback xmlns="">
       <p:transition spd="med">
         <p:fade/>
       </p:transition>
@@ -24835,41 +24821,8 @@
                 <a:latin typeface="Segoe UI Light" panose="020B0502040204020203" pitchFamily="34" charset="0"/>
                 <a:cs typeface="Segoe UI Light" panose="020B0502040204020203" pitchFamily="34" charset="0"/>
               </a:rPr>
-              <a:t>Explore our </a:t>
-            </a:r>
-            <a:r>
-              <a:rPr lang="en-US" sz="3528" dirty="0">
-                <a:gradFill>
-                  <a:gsLst>
-                    <a:gs pos="0">
-                      <a:srgbClr val="FFFFFF"/>
-                    </a:gs>
-                    <a:gs pos="100000">
-                      <a:srgbClr val="FFFFFF"/>
-                    </a:gs>
-                  </a:gsLst>
-                  <a:lin ang="5400000" scaled="1"/>
-                </a:gradFill>
-                <a:latin typeface="Segoe UI Light" panose="020B0502040204020203" pitchFamily="34" charset="0"/>
-                <a:cs typeface="Segoe UI Light" panose="020B0502040204020203" pitchFamily="34" charset="0"/>
-              </a:rPr>
-              <a:t>developer center</a:t>
-            </a:r>
-            <a:endParaRPr lang="en-US" sz="3528" dirty="0">
-              <a:gradFill>
-                <a:gsLst>
-                  <a:gs pos="0">
-                    <a:srgbClr val="FFFFFF"/>
-                  </a:gs>
-                  <a:gs pos="100000">
-                    <a:srgbClr val="FFFFFF"/>
-                  </a:gs>
-                </a:gsLst>
-                <a:lin ang="5400000" scaled="1"/>
-              </a:gradFill>
-              <a:latin typeface="Segoe UI Light" panose="020B0502040204020203" pitchFamily="34" charset="0"/>
-              <a:cs typeface="Segoe UI Light" panose="020B0502040204020203" pitchFamily="34" charset="0"/>
-            </a:endParaRPr>
+              <a:t>Explore our developer center</a:t>
+            </a:r>
           </a:p>
           <a:p>
             <a:pPr marL="51309" lvl="1" defTabSz="565990"/>
@@ -25227,39 +25180,8 @@
                 </a:gradFill>
                 <a:cs typeface="Segoe UI" panose="020B0502040204020203" pitchFamily="34" charset="0"/>
               </a:rPr>
-              <a:t>http</a:t>
-            </a:r>
-            <a:r>
-              <a:rPr lang="en-US" sz="1764" dirty="0">
-                <a:gradFill>
-                  <a:gsLst>
-                    <a:gs pos="0">
-                      <a:srgbClr val="FFFFFF"/>
-                    </a:gs>
-                    <a:gs pos="100000">
-                      <a:srgbClr val="FFFFFF"/>
-                    </a:gs>
-                  </a:gsLst>
-                  <a:lin ang="5400000" scaled="1"/>
-                </a:gradFill>
-                <a:cs typeface="Segoe UI" panose="020B0502040204020203" pitchFamily="34" charset="0"/>
-              </a:rPr>
-              <a:t>://dev.office.com/code-samples</a:t>
-            </a:r>
-            <a:endParaRPr lang="en-US" sz="1764" dirty="0">
-              <a:gradFill>
-                <a:gsLst>
-                  <a:gs pos="0">
-                    <a:srgbClr val="FFFFFF"/>
-                  </a:gs>
-                  <a:gs pos="100000">
-                    <a:srgbClr val="FFFFFF"/>
-                  </a:gs>
-                </a:gsLst>
-                <a:lin ang="5400000" scaled="1"/>
-              </a:gradFill>
-              <a:cs typeface="Segoe UI" panose="020B0502040204020203" pitchFamily="34" charset="0"/>
-            </a:endParaRPr>
+              <a:t>http://dev.office.com/code-samples</a:t>
+            </a:r>
           </a:p>
         </p:txBody>
       </p:sp>
@@ -25969,24 +25891,6 @@
               </a:rPr>
               <a:t>Jumpstart into our training</a:t>
             </a:r>
-            <a:r>
-              <a:rPr lang="en-US" sz="3528" dirty="0">
-                <a:gradFill>
-                  <a:gsLst>
-                    <a:gs pos="0">
-                      <a:srgbClr val="FFFFFF"/>
-                    </a:gs>
-                    <a:gs pos="100000">
-                      <a:srgbClr val="FFFFFF"/>
-                    </a:gs>
-                  </a:gsLst>
-                  <a:lin ang="5400000" scaled="1"/>
-                </a:gradFill>
-                <a:latin typeface="Segoe UI Light" panose="020B0502040204020203" pitchFamily="34" charset="0"/>
-                <a:cs typeface="Segoe UI Light" panose="020B0502040204020203" pitchFamily="34" charset="0"/>
-              </a:rPr>
-              <a:t/>
-            </a:r>
             <a:br>
               <a:rPr lang="en-US" sz="3528" dirty="0">
                 <a:gradFill>
@@ -26019,39 +25923,8 @@
                 </a:gradFill>
                 <a:cs typeface="Segoe UI" panose="020B0502040204020203" pitchFamily="34" charset="0"/>
               </a:rPr>
-              <a:t>http</a:t>
-            </a:r>
-            <a:r>
-              <a:rPr lang="en-US" sz="1764" dirty="0">
-                <a:gradFill>
-                  <a:gsLst>
-                    <a:gs pos="0">
-                      <a:srgbClr val="FFFFFF"/>
-                    </a:gs>
-                    <a:gs pos="100000">
-                      <a:srgbClr val="FFFFFF"/>
-                    </a:gs>
-                  </a:gsLst>
-                  <a:lin ang="5400000" scaled="1"/>
-                </a:gradFill>
-                <a:cs typeface="Segoe UI" panose="020B0502040204020203" pitchFamily="34" charset="0"/>
-              </a:rPr>
-              <a:t>://dev.office.com/training</a:t>
-            </a:r>
-            <a:endParaRPr lang="en-US" sz="1764" dirty="0">
-              <a:gradFill>
-                <a:gsLst>
-                  <a:gs pos="0">
-                    <a:srgbClr val="FFFFFF"/>
-                  </a:gs>
-                  <a:gs pos="100000">
-                    <a:srgbClr val="FFFFFF"/>
-                  </a:gs>
-                </a:gsLst>
-                <a:lin ang="5400000" scaled="1"/>
-              </a:gradFill>
-              <a:cs typeface="Segoe UI" panose="020B0502040204020203" pitchFamily="34" charset="0"/>
-            </a:endParaRPr>
+              <a:t>http://dev.office.com/training</a:t>
+            </a:r>
           </a:p>
         </p:txBody>
       </p:sp>
@@ -26065,13 +25938,13 @@
   <p:clrMapOvr>
     <a:masterClrMapping/>
   </p:clrMapOvr>
-  <mc:AlternateContent xmlns:mc="http://schemas.openxmlformats.org/markup-compatibility/2006">
-    <mc:Choice xmlns:p14="http://schemas.microsoft.com/office/powerpoint/2010/main" Requires="p14">
+  <mc:AlternateContent xmlns:mc="http://schemas.openxmlformats.org/markup-compatibility/2006" xmlns:p14="http://schemas.microsoft.com/office/powerpoint/2010/main">
+    <mc:Choice Requires="p14">
       <p:transition spd="slow" p14:dur="1250">
         <p14:flip dir="r"/>
       </p:transition>
     </mc:Choice>
-    <mc:Fallback>
+    <mc:Fallback xmlns="">
       <p:transition spd="slow">
         <p:fade/>
       </p:transition>
@@ -26951,24 +26824,7 @@
                 </a:gradFill>
                 <a:cs typeface="Segoe UI" panose="020B0502040204020203" pitchFamily="34" charset="0"/>
               </a:rPr>
-              <a:t>Providing </a:t>
-            </a:r>
-            <a:r>
-              <a:rPr lang="en-US" sz="1958" dirty="0">
-                <a:gradFill>
-                  <a:gsLst>
-                    <a:gs pos="0">
-                      <a:srgbClr val="FFFFFF"/>
-                    </a:gs>
-                    <a:gs pos="100000">
-                      <a:srgbClr val="FFFFFF"/>
-                    </a:gs>
-                  </a:gsLst>
-                  <a:lin ang="5400000" scaled="1"/>
-                </a:gradFill>
-                <a:cs typeface="Segoe UI" panose="020B0502040204020203" pitchFamily="34" charset="0"/>
-              </a:rPr>
-              <a:t>App Model Patterns for common </a:t>
+              <a:t>Providing App Model Patterns for common </a:t>
             </a:r>
             <a:br>
               <a:rPr lang="en-US" sz="1958" dirty="0">
@@ -27039,25 +26895,7 @@
                 <a:latin typeface="Segoe UI Light" panose="020B0502040204020203" pitchFamily="34" charset="0"/>
                 <a:cs typeface="Segoe UI Light" panose="020B0502040204020203" pitchFamily="34" charset="0"/>
               </a:rPr>
-              <a:t>60</a:t>
-            </a:r>
-            <a:r>
-              <a:rPr lang="en-US" sz="3916" dirty="0">
-                <a:gradFill>
-                  <a:gsLst>
-                    <a:gs pos="0">
-                      <a:srgbClr val="FFFFFF"/>
-                    </a:gs>
-                    <a:gs pos="100000">
-                      <a:srgbClr val="FFFFFF"/>
-                    </a:gs>
-                  </a:gsLst>
-                  <a:lin ang="5400000" scaled="1"/>
-                </a:gradFill>
-                <a:latin typeface="Segoe UI Light" panose="020B0502040204020203" pitchFamily="34" charset="0"/>
-                <a:cs typeface="Segoe UI Light" panose="020B0502040204020203" pitchFamily="34" charset="0"/>
-              </a:rPr>
-              <a:t>+ Visual Studio projects</a:t>
+              <a:t>60+ Visual Studio projects</a:t>
             </a:r>
             <a:br>
               <a:rPr lang="en-US" sz="3916" dirty="0">
@@ -27639,13 +27477,13 @@
   <p:clrMapOvr>
     <a:masterClrMapping/>
   </p:clrMapOvr>
-  <mc:AlternateContent xmlns:mc="http://schemas.openxmlformats.org/markup-compatibility/2006">
-    <mc:Choice xmlns:p14="http://schemas.microsoft.com/office/powerpoint/2010/main" Requires="p14">
+  <mc:AlternateContent xmlns:mc="http://schemas.openxmlformats.org/markup-compatibility/2006" xmlns:p14="http://schemas.microsoft.com/office/powerpoint/2010/main">
+    <mc:Choice Requires="p14">
       <p:transition spd="slow" p14:dur="1250">
         <p14:flip dir="l"/>
       </p:transition>
     </mc:Choice>
-    <mc:Fallback>
+    <mc:Fallback xmlns="">
       <p:transition spd="slow">
         <p:fade/>
       </p:transition>
@@ -28178,21 +28016,6 @@
                 </a:rPr>
                 <a:t>Aug</a:t>
               </a:r>
-              <a:endParaRPr lang="en-US" sz="1960" dirty="0">
-                <a:gradFill>
-                  <a:gsLst>
-                    <a:gs pos="0">
-                      <a:schemeClr val="tx1"/>
-                    </a:gs>
-                    <a:gs pos="100000">
-                      <a:schemeClr val="tx1"/>
-                    </a:gs>
-                  </a:gsLst>
-                  <a:lin ang="5400000" scaled="0"/>
-                </a:gradFill>
-                <a:latin typeface="Segoe UI" panose="020B0502040204020203" pitchFamily="34" charset="0"/>
-                <a:cs typeface="Segoe UI" panose="020B0502040204020203" pitchFamily="34" charset="0"/>
-              </a:endParaRPr>
             </a:p>
           </p:txBody>
         </p:sp>
@@ -28254,21 +28077,6 @@
                 </a:rPr>
                 <a:t>Sept</a:t>
               </a:r>
-              <a:endParaRPr lang="en-US" sz="1960" dirty="0">
-                <a:gradFill>
-                  <a:gsLst>
-                    <a:gs pos="0">
-                      <a:schemeClr val="tx1"/>
-                    </a:gs>
-                    <a:gs pos="100000">
-                      <a:schemeClr val="tx1"/>
-                    </a:gs>
-                  </a:gsLst>
-                  <a:lin ang="5400000" scaled="0"/>
-                </a:gradFill>
-                <a:latin typeface="Segoe UI" panose="020B0502040204020203" pitchFamily="34" charset="0"/>
-                <a:cs typeface="Segoe UI" panose="020B0502040204020203" pitchFamily="34" charset="0"/>
-              </a:endParaRPr>
             </a:p>
           </p:txBody>
         </p:sp>
@@ -28330,21 +28138,6 @@
                 </a:rPr>
                 <a:t>Oct</a:t>
               </a:r>
-              <a:endParaRPr lang="en-US" sz="1960" dirty="0">
-                <a:gradFill>
-                  <a:gsLst>
-                    <a:gs pos="0">
-                      <a:schemeClr val="tx1"/>
-                    </a:gs>
-                    <a:gs pos="100000">
-                      <a:schemeClr val="tx1"/>
-                    </a:gs>
-                  </a:gsLst>
-                  <a:lin ang="5400000" scaled="0"/>
-                </a:gradFill>
-                <a:latin typeface="Segoe UI" panose="020B0502040204020203" pitchFamily="34" charset="0"/>
-                <a:cs typeface="Segoe UI" panose="020B0502040204020203" pitchFamily="34" charset="0"/>
-              </a:endParaRPr>
             </a:p>
           </p:txBody>
         </p:sp>
@@ -28725,21 +28518,6 @@
                 </a:rPr>
                 <a:t>Jan</a:t>
               </a:r>
-              <a:endParaRPr lang="en-US" sz="1960" dirty="0">
-                <a:gradFill>
-                  <a:gsLst>
-                    <a:gs pos="0">
-                      <a:schemeClr val="tx1"/>
-                    </a:gs>
-                    <a:gs pos="100000">
-                      <a:schemeClr val="tx1"/>
-                    </a:gs>
-                  </a:gsLst>
-                  <a:lin ang="5400000" scaled="0"/>
-                </a:gradFill>
-                <a:latin typeface="Segoe UI" panose="020B0502040204020203" pitchFamily="34" charset="0"/>
-                <a:cs typeface="Segoe UI" panose="020B0502040204020203" pitchFamily="34" charset="0"/>
-              </a:endParaRPr>
             </a:p>
           </p:txBody>
         </p:sp>
@@ -28801,21 +28579,6 @@
                 </a:rPr>
                 <a:t>Nov</a:t>
               </a:r>
-              <a:endParaRPr lang="en-US" sz="1960" dirty="0">
-                <a:gradFill>
-                  <a:gsLst>
-                    <a:gs pos="0">
-                      <a:schemeClr val="tx1"/>
-                    </a:gs>
-                    <a:gs pos="100000">
-                      <a:schemeClr val="tx1"/>
-                    </a:gs>
-                  </a:gsLst>
-                  <a:lin ang="5400000" scaled="0"/>
-                </a:gradFill>
-                <a:latin typeface="Segoe UI" panose="020B0502040204020203" pitchFamily="34" charset="0"/>
-                <a:cs typeface="Segoe UI" panose="020B0502040204020203" pitchFamily="34" charset="0"/>
-              </a:endParaRPr>
             </a:p>
           </p:txBody>
         </p:sp>
@@ -28877,21 +28640,6 @@
                 </a:rPr>
                 <a:t>Dec</a:t>
               </a:r>
-              <a:endParaRPr lang="en-US" sz="1960" dirty="0">
-                <a:gradFill>
-                  <a:gsLst>
-                    <a:gs pos="0">
-                      <a:schemeClr val="tx1"/>
-                    </a:gs>
-                    <a:gs pos="100000">
-                      <a:schemeClr val="tx1"/>
-                    </a:gs>
-                  </a:gsLst>
-                  <a:lin ang="5400000" scaled="0"/>
-                </a:gradFill>
-                <a:latin typeface="Segoe UI" panose="020B0502040204020203" pitchFamily="34" charset="0"/>
-                <a:cs typeface="Segoe UI" panose="020B0502040204020203" pitchFamily="34" charset="0"/>
-              </a:endParaRPr>
             </a:p>
           </p:txBody>
         </p:sp>
@@ -29641,40 +29389,7 @@
                   <a:ea typeface="Segoe UI" panose="020B0502040204020203" pitchFamily="34" charset="0"/>
                   <a:cs typeface="Segoe UI Semibold" panose="020B0702040204020203" pitchFamily="34" charset="0"/>
                 </a:rPr>
-                <a:t>Shipping </a:t>
-              </a:r>
-              <a:r>
-                <a:rPr lang="en-US" sz="1372" dirty="0">
-                  <a:solidFill>
-                    <a:schemeClr val="accent6"/>
-                  </a:solidFill>
-                  <a:latin typeface="Segoe UI Semibold" panose="020B0702040204020203" pitchFamily="34" charset="0"/>
-                  <a:ea typeface="Segoe UI" panose="020B0502040204020203" pitchFamily="34" charset="0"/>
-                  <a:cs typeface="Segoe UI Semibold" panose="020B0702040204020203" pitchFamily="34" charset="0"/>
-                </a:rPr>
-                <a:t>your </a:t>
-              </a:r>
-              <a:r>
-                <a:rPr lang="en-US" sz="1372" dirty="0">
-                  <a:solidFill>
-                    <a:schemeClr val="accent6"/>
-                  </a:solidFill>
-                  <a:latin typeface="Segoe UI Semibold" panose="020B0702040204020203" pitchFamily="34" charset="0"/>
-                  <a:ea typeface="Segoe UI" panose="020B0502040204020203" pitchFamily="34" charset="0"/>
-                  <a:cs typeface="Segoe UI Semibold" panose="020B0702040204020203" pitchFamily="34" charset="0"/>
-                </a:rPr>
-                <a:t>Office 365 </a:t>
-              </a:r>
-              <a:r>
-                <a:rPr lang="en-US" sz="1372" dirty="0">
-                  <a:solidFill>
-                    <a:schemeClr val="accent6"/>
-                  </a:solidFill>
-                  <a:latin typeface="Segoe UI Semibold" panose="020B0702040204020203" pitchFamily="34" charset="0"/>
-                  <a:ea typeface="Segoe UI" panose="020B0502040204020203" pitchFamily="34" charset="0"/>
-                  <a:cs typeface="Segoe UI Semibold" panose="020B0702040204020203" pitchFamily="34" charset="0"/>
-                </a:rPr>
-                <a:t>App </a:t>
+                <a:t>Shipping your Office 365 App </a:t>
               </a:r>
               <a:br>
                 <a:rPr lang="en-US" sz="1372" dirty="0">
@@ -29718,14 +29433,6 @@
                 </a:rPr>
                 <a:t>Office Store </a:t>
               </a:r>
-              <a:endParaRPr lang="en-US" sz="1372" dirty="0">
-                <a:solidFill>
-                  <a:schemeClr val="accent6"/>
-                </a:solidFill>
-                <a:latin typeface="Segoe UI Semibold" panose="020B0702040204020203" pitchFamily="34" charset="0"/>
-                <a:ea typeface="Segoe UI" panose="020B0502040204020203" pitchFamily="34" charset="0"/>
-                <a:cs typeface="Segoe UI Semibold" panose="020B0702040204020203" pitchFamily="34" charset="0"/>
-              </a:endParaRPr>
             </a:p>
           </p:txBody>
         </p:sp>
@@ -29799,17 +29506,6 @@
                 </a:rPr>
                 <a:t>Deep dive into </a:t>
               </a:r>
-              <a:r>
-                <a:rPr lang="en-US" sz="1372" dirty="0">
-                  <a:solidFill>
-                    <a:schemeClr val="accent6"/>
-                  </a:solidFill>
-                  <a:latin typeface="Segoe UI Semibold" panose="020B0702040204020203" pitchFamily="34" charset="0"/>
-                  <a:ea typeface="Segoe UI" panose="020B0502040204020203" pitchFamily="34" charset="0"/>
-                  <a:cs typeface="Segoe UI Semibold" panose="020B0702040204020203" pitchFamily="34" charset="0"/>
-                </a:rPr>
-                <a:t/>
-              </a:r>
               <a:br>
                 <a:rPr lang="en-US" sz="1372" dirty="0">
                   <a:solidFill>
@@ -29829,18 +29525,7 @@
                   <a:ea typeface="Segoe UI" panose="020B0502040204020203" pitchFamily="34" charset="0"/>
                   <a:cs typeface="Segoe UI Semibold" panose="020B0702040204020203" pitchFamily="34" charset="0"/>
                 </a:rPr>
-                <a:t>the </a:t>
-              </a:r>
-              <a:r>
-                <a:rPr lang="en-US" sz="1372" dirty="0">
-                  <a:solidFill>
-                    <a:schemeClr val="accent6"/>
-                  </a:solidFill>
-                  <a:latin typeface="Segoe UI Semibold" panose="020B0702040204020203" pitchFamily="34" charset="0"/>
-                  <a:ea typeface="Segoe UI" panose="020B0502040204020203" pitchFamily="34" charset="0"/>
-                  <a:cs typeface="Segoe UI Semibold" panose="020B0702040204020203" pitchFamily="34" charset="0"/>
-                </a:rPr>
-                <a:t>building blocks and services of the SharePoint platform </a:t>
+                <a:t>the building blocks and services of the SharePoint platform </a:t>
               </a:r>
             </a:p>
           </p:txBody>
@@ -30031,21 +29716,6 @@
                 </a:rPr>
                 <a:t>Feb</a:t>
               </a:r>
-              <a:endParaRPr lang="en-US" sz="1960" dirty="0">
-                <a:gradFill>
-                  <a:gsLst>
-                    <a:gs pos="0">
-                      <a:schemeClr val="tx1"/>
-                    </a:gs>
-                    <a:gs pos="100000">
-                      <a:schemeClr val="tx1"/>
-                    </a:gs>
-                  </a:gsLst>
-                  <a:lin ang="5400000" scaled="0"/>
-                </a:gradFill>
-                <a:latin typeface="Segoe UI" panose="020B0502040204020203" pitchFamily="34" charset="0"/>
-                <a:cs typeface="Segoe UI" panose="020B0502040204020203" pitchFamily="34" charset="0"/>
-              </a:endParaRPr>
             </a:p>
           </p:txBody>
         </p:sp>
@@ -30723,26 +30393,7 @@
                 <a:ea typeface="Segoe UI" pitchFamily="34" charset="0"/>
                 <a:cs typeface="Segoe UI" pitchFamily="34" charset="0"/>
               </a:rPr>
-              <a:t>2014 </a:t>
-            </a:r>
-            <a:r>
-              <a:rPr lang="en-US" sz="700" dirty="0" smtClean="0">
-                <a:gradFill>
-                  <a:gsLst>
-                    <a:gs pos="0">
-                      <a:schemeClr val="tx1"/>
-                    </a:gs>
-                    <a:gs pos="100000">
-                      <a:schemeClr val="tx1"/>
-                    </a:gs>
-                  </a:gsLst>
-                  <a:lin ang="5400000" scaled="0"/>
-                </a:gradFill>
-                <a:latin typeface="Segoe UI" pitchFamily="34" charset="0"/>
-                <a:ea typeface="Segoe UI" pitchFamily="34" charset="0"/>
-                <a:cs typeface="Segoe UI" pitchFamily="34" charset="0"/>
-              </a:rPr>
-              <a:t>Microsoft </a:t>
+              <a:t>2014 Microsoft </a:t>
             </a:r>
             <a:r>
               <a:rPr lang="en-US" sz="700" dirty="0">
@@ -31017,13 +30668,13 @@
   <p:clrMapOvr>
     <a:masterClrMapping/>
   </p:clrMapOvr>
-  <mc:AlternateContent xmlns:mc="http://schemas.openxmlformats.org/markup-compatibility/2006">
-    <mc:Choice xmlns:p14="http://schemas.microsoft.com/office/powerpoint/2010/main" Requires="p14">
+  <mc:AlternateContent xmlns:mc="http://schemas.openxmlformats.org/markup-compatibility/2006" xmlns:p14="http://schemas.microsoft.com/office/powerpoint/2010/main">
+    <mc:Choice Requires="p14">
       <p:transition spd="slow" p14:dur="3400">
         <p14:reveal/>
       </p:transition>
     </mc:Choice>
-    <mc:Fallback>
+    <mc:Fallback xmlns="">
       <p:transition spd="slow">
         <p:fade/>
       </p:transition>
@@ -31108,7 +30759,7 @@
                 <a:gridCol w="11225057">
                   <a:extLst>
                     <a:ext uri="{9D8B030D-6E8A-4147-A177-3AD203B41FA5}">
-                      <a16:colId xmlns:a16="http://schemas.microsoft.com/office/drawing/2014/main" val="1253488153"/>
+                      <a16:colId xmlns:a16="http://schemas.microsoft.com/office/drawing/2014/main" xmlns="" val="1253488153"/>
                     </a:ext>
                   </a:extLst>
                 </a:gridCol>
@@ -31130,7 +30781,7 @@
                 </a:tc>
                 <a:extLst>
                   <a:ext uri="{0D108BD9-81ED-4DB2-BD59-A6C34878D82A}">
-                    <a16:rowId xmlns:a16="http://schemas.microsoft.com/office/drawing/2014/main" val="829859176"/>
+                    <a16:rowId xmlns:a16="http://schemas.microsoft.com/office/drawing/2014/main" xmlns="" val="829859176"/>
                   </a:ext>
                 </a:extLst>
               </a:tr>
@@ -31151,7 +30802,7 @@
                 </a:tc>
                 <a:extLst>
                   <a:ext uri="{0D108BD9-81ED-4DB2-BD59-A6C34878D82A}">
-                    <a16:rowId xmlns:a16="http://schemas.microsoft.com/office/drawing/2014/main" val="1946132611"/>
+                    <a16:rowId xmlns:a16="http://schemas.microsoft.com/office/drawing/2014/main" xmlns="" val="1946132611"/>
                   </a:ext>
                 </a:extLst>
               </a:tr>
@@ -31193,7 +30844,7 @@
                 </a:tc>
                 <a:extLst>
                   <a:ext uri="{0D108BD9-81ED-4DB2-BD59-A6C34878D82A}">
-                    <a16:rowId xmlns:a16="http://schemas.microsoft.com/office/drawing/2014/main" val="3204002662"/>
+                    <a16:rowId xmlns:a16="http://schemas.microsoft.com/office/drawing/2014/main" xmlns="" val="3204002662"/>
                   </a:ext>
                 </a:extLst>
               </a:tr>
@@ -31230,7 +30881,7 @@
                 </a:tc>
                 <a:extLst>
                   <a:ext uri="{0D108BD9-81ED-4DB2-BD59-A6C34878D82A}">
-                    <a16:rowId xmlns:a16="http://schemas.microsoft.com/office/drawing/2014/main" val="4266278162"/>
+                    <a16:rowId xmlns:a16="http://schemas.microsoft.com/office/drawing/2014/main" xmlns="" val="4266278162"/>
                   </a:ext>
                 </a:extLst>
               </a:tr>
@@ -31268,7 +30919,7 @@
                 </a:tc>
                 <a:extLst>
                   <a:ext uri="{0D108BD9-81ED-4DB2-BD59-A6C34878D82A}">
-                    <a16:rowId xmlns:a16="http://schemas.microsoft.com/office/drawing/2014/main" val="2405060554"/>
+                    <a16:rowId xmlns:a16="http://schemas.microsoft.com/office/drawing/2014/main" xmlns="" val="2405060554"/>
                   </a:ext>
                 </a:extLst>
               </a:tr>
@@ -31313,7 +30964,7 @@
                 </a:tc>
                 <a:extLst>
                   <a:ext uri="{0D108BD9-81ED-4DB2-BD59-A6C34878D82A}">
-                    <a16:rowId xmlns:a16="http://schemas.microsoft.com/office/drawing/2014/main" val="3069023435"/>
+                    <a16:rowId xmlns:a16="http://schemas.microsoft.com/office/drawing/2014/main" xmlns="" val="3069023435"/>
                   </a:ext>
                 </a:extLst>
               </a:tr>
@@ -31350,7 +31001,7 @@
                 </a:tc>
                 <a:extLst>
                   <a:ext uri="{0D108BD9-81ED-4DB2-BD59-A6C34878D82A}">
-                    <a16:rowId xmlns:a16="http://schemas.microsoft.com/office/drawing/2014/main" val="2293274207"/>
+                    <a16:rowId xmlns:a16="http://schemas.microsoft.com/office/drawing/2014/main" xmlns="" val="2293274207"/>
                   </a:ext>
                 </a:extLst>
               </a:tr>
@@ -31387,7 +31038,7 @@
                 </a:tc>
                 <a:extLst>
                   <a:ext uri="{0D108BD9-81ED-4DB2-BD59-A6C34878D82A}">
-                    <a16:rowId xmlns:a16="http://schemas.microsoft.com/office/drawing/2014/main" val="4198435309"/>
+                    <a16:rowId xmlns:a16="http://schemas.microsoft.com/office/drawing/2014/main" xmlns="" val="4198435309"/>
                   </a:ext>
                 </a:extLst>
               </a:tr>
@@ -31452,13 +31103,8 @@
           <a:p>
             <a:r>
               <a:rPr lang="en-US" sz="4800" b="1" dirty="0"/>
-              <a:t>Deep Dive into </a:t>
-            </a:r>
-            <a:r>
-              <a:rPr lang="en-US" sz="4800" b="1" dirty="0"/>
-              <a:t>Azure AD with the Office 365 APIs</a:t>
-            </a:r>
-            <a:endParaRPr lang="en-US" sz="4800" b="1" dirty="0"/>
+              <a:t>Deep Dive into Azure AD with the Office 365 APIs</a:t>
+            </a:r>
           </a:p>
         </p:txBody>
       </p:sp>
@@ -31583,7 +31229,11 @@
           <a:p>
             <a:r>
               <a:rPr lang="en-US" dirty="0" smtClean="0"/>
-              <a:t>O365 Discovery Service</a:t>
+              <a:t>Office 365 </a:t>
+            </a:r>
+            <a:r>
+              <a:rPr lang="en-US" dirty="0" smtClean="0"/>
+              <a:t>Discovery Service</a:t>
             </a:r>
           </a:p>
         </p:txBody>
@@ -31793,7 +31443,18 @@
           <a:p>
             <a:r>
               <a:rPr lang="en-US" dirty="0" smtClean="0"/>
-              <a:t>O365 Device Apps</a:t>
+              <a:t>Office 365 </a:t>
+            </a:r>
+            <a:br>
+              <a:rPr lang="en-US" dirty="0" smtClean="0"/>
+            </a:br>
+            <a:r>
+              <a:rPr lang="en-US" dirty="0" smtClean="0"/>
+              <a:t>Device </a:t>
+            </a:r>
+            <a:r>
+              <a:rPr lang="en-US" dirty="0" smtClean="0"/>
+              <a:t>Apps</a:t>
             </a:r>
             <a:endParaRPr lang="en-US" dirty="0"/>
           </a:p>
@@ -31814,7 +31475,7 @@
         </p:blipFill>
         <p:spPr>
           <a:xfrm>
-            <a:off x="1828997" y="1636617"/>
+            <a:off x="1842425" y="1906236"/>
             <a:ext cx="4251193" cy="2016432"/>
           </a:xfrm>
           <a:prstGeom prst="rect">
@@ -32182,8 +31843,13 @@
             </a:r>
             <a:r>
               <a:rPr lang="en-US" dirty="0" smtClean="0"/>
-              <a:t> flow for O365</a:t>
-            </a:r>
+              <a:t> flow for </a:t>
+            </a:r>
+            <a:r>
+              <a:rPr lang="en-US" dirty="0" smtClean="0"/>
+              <a:t>Office 365</a:t>
+            </a:r>
+            <a:endParaRPr lang="en-US" dirty="0" smtClean="0"/>
           </a:p>
           <a:p>
             <a:pPr lvl="1"/>
@@ -32278,7 +31944,15 @@
             </a:r>
             <a:r>
               <a:rPr lang="en-US" sz="4704" dirty="0"/>
-              <a:t> in O365 Preview</a:t>
+              <a:t> in </a:t>
+            </a:r>
+            <a:r>
+              <a:rPr lang="en-US" sz="4704" dirty="0" smtClean="0"/>
+              <a:t>Office 365 </a:t>
+            </a:r>
+            <a:r>
+              <a:rPr lang="en-US" sz="4704" dirty="0"/>
+              <a:t>Preview</a:t>
             </a:r>
           </a:p>
         </p:txBody>
@@ -33582,24 +33256,6 @@
 </file>
 
 <file path=customXml/item1.xml><?xml version="1.0" encoding="utf-8"?>
-<?mso-contentType ?>
-<FormTemplates xmlns="http://schemas.microsoft.com/sharepoint/v3/contenttype/forms">
-  <Display>DocumentLibraryForm</Display>
-  <Edit>DocumentLibraryForm</Edit>
-  <New>DocumentLibraryForm</New>
-</FormTemplates>
-</file>
-
-<file path=customXml/item2.xml><?xml version="1.0" encoding="utf-8"?>
-<p:properties xmlns:p="http://schemas.microsoft.com/office/2006/metadata/properties" xmlns:xsi="http://www.w3.org/2001/XMLSchema-instance" xmlns:pc="http://schemas.microsoft.com/office/infopath/2007/PartnerControls">
-  <documentManagement>
-    <Company xmlns="http://schemas.microsoft.com/sharepoint/v3">Critical Path</Company>
-    <Project xmlns="c7dd7a47-5eb0-4219-9c75-8258c822be9e" xsi:nil="true"/>
-  </documentManagement>
-</p:properties>
-</file>
-
-<file path=customXml/item3.xml><?xml version="1.0" encoding="utf-8"?>
 <ct:contentTypeSchema xmlns:ct="http://schemas.microsoft.com/office/2006/metadata/contentType" xmlns:ma="http://schemas.microsoft.com/office/2006/metadata/properties/metaAttributes" ct:_="" ma:_="" ma:contentTypeName="Document" ma:contentTypeID="0x0101006D61B4CFCB5D8D4A8E65D32A29D8DB3E" ma:contentTypeVersion="3" ma:contentTypeDescription="Create a new document." ma:contentTypeScope="" ma:versionID="f0276697cd14aa124c054602ce8fe3c5">
   <xsd:schema xmlns:xsd="http://www.w3.org/2001/XMLSchema" xmlns:xs="http://www.w3.org/2001/XMLSchema" xmlns:p="http://schemas.microsoft.com/office/2006/metadata/properties" xmlns:ns1="http://schemas.microsoft.com/sharepoint/v3" xmlns:ns2="c7dd7a47-5eb0-4219-9c75-8258c822be9e" targetNamespace="http://schemas.microsoft.com/office/2006/metadata/properties" ma:root="true" ma:fieldsID="ce85d22485e5625b9ccd59583b658dde" ns1:_="" ns2:_="">
     <xsd:import namespace="http://schemas.microsoft.com/sharepoint/v3"/>
@@ -33738,10 +33394,39 @@
 </ct:contentTypeSchema>
 </file>
 
+<file path=customXml/item2.xml><?xml version="1.0" encoding="utf-8"?>
+<p:properties xmlns:p="http://schemas.microsoft.com/office/2006/metadata/properties" xmlns:xsi="http://www.w3.org/2001/XMLSchema-instance" xmlns:pc="http://schemas.microsoft.com/office/infopath/2007/PartnerControls">
+  <documentManagement>
+    <Company xmlns="http://schemas.microsoft.com/sharepoint/v3">Critical Path</Company>
+    <Project xmlns="c7dd7a47-5eb0-4219-9c75-8258c822be9e" xsi:nil="true"/>
+  </documentManagement>
+</p:properties>
+</file>
+
+<file path=customXml/item3.xml><?xml version="1.0" encoding="utf-8"?>
+<?mso-contentType ?>
+<FormTemplates xmlns="http://schemas.microsoft.com/sharepoint/v3/contenttype/forms">
+  <Display>DocumentLibraryForm</Display>
+  <Edit>DocumentLibraryForm</Edit>
+  <New>DocumentLibraryForm</New>
+</FormTemplates>
+</file>
+
 <file path=customXml/itemProps1.xml><?xml version="1.0" encoding="utf-8"?>
-<ds:datastoreItem xmlns:ds="http://schemas.openxmlformats.org/officeDocument/2006/customXml" ds:itemID="{E1E0CE18-CA03-4891-9CD8-3448778E3D53}">
+<ds:datastoreItem xmlns:ds="http://schemas.openxmlformats.org/officeDocument/2006/customXml" ds:itemID="{32078E1A-D2E2-4564-A309-CC02D4FE52EE}">
   <ds:schemaRefs>
-    <ds:schemaRef ds:uri="http://schemas.microsoft.com/sharepoint/v3/contenttype/forms"/>
+    <ds:schemaRef ds:uri="http://schemas.microsoft.com/office/2006/metadata/contentType"/>
+    <ds:schemaRef ds:uri="http://schemas.microsoft.com/office/2006/metadata/properties/metaAttributes"/>
+    <ds:schemaRef ds:uri="http://www.w3.org/2001/XMLSchema"/>
+    <ds:schemaRef ds:uri="http://schemas.microsoft.com/office/2006/metadata/properties"/>
+    <ds:schemaRef ds:uri="http://schemas.microsoft.com/sharepoint/v3"/>
+    <ds:schemaRef ds:uri="c7dd7a47-5eb0-4219-9c75-8258c822be9e"/>
+    <ds:schemaRef ds:uri="http://schemas.microsoft.com/office/2006/documentManagement/types"/>
+    <ds:schemaRef ds:uri="http://schemas.microsoft.com/office/infopath/2007/PartnerControls"/>
+    <ds:schemaRef ds:uri="http://schemas.openxmlformats.org/package/2006/metadata/core-properties"/>
+    <ds:schemaRef ds:uri="http://purl.org/dc/elements/1.1/"/>
+    <ds:schemaRef ds:uri="http://purl.org/dc/terms/"/>
+    <ds:schemaRef ds:uri="http://schemas.microsoft.com/internal/obd"/>
   </ds:schemaRefs>
 </ds:datastoreItem>
 </file>
@@ -33764,20 +33449,9 @@
 </file>
 
 <file path=customXml/itemProps3.xml><?xml version="1.0" encoding="utf-8"?>
-<ds:datastoreItem xmlns:ds="http://schemas.openxmlformats.org/officeDocument/2006/customXml" ds:itemID="{32078E1A-D2E2-4564-A309-CC02D4FE52EE}">
+<ds:datastoreItem xmlns:ds="http://schemas.openxmlformats.org/officeDocument/2006/customXml" ds:itemID="{E1E0CE18-CA03-4891-9CD8-3448778E3D53}">
   <ds:schemaRefs>
-    <ds:schemaRef ds:uri="http://schemas.microsoft.com/office/2006/metadata/contentType"/>
-    <ds:schemaRef ds:uri="http://schemas.microsoft.com/office/2006/metadata/properties/metaAttributes"/>
-    <ds:schemaRef ds:uri="http://www.w3.org/2001/XMLSchema"/>
-    <ds:schemaRef ds:uri="http://schemas.microsoft.com/office/2006/metadata/properties"/>
-    <ds:schemaRef ds:uri="http://schemas.microsoft.com/sharepoint/v3"/>
-    <ds:schemaRef ds:uri="c7dd7a47-5eb0-4219-9c75-8258c822be9e"/>
-    <ds:schemaRef ds:uri="http://schemas.microsoft.com/office/2006/documentManagement/types"/>
-    <ds:schemaRef ds:uri="http://schemas.microsoft.com/office/infopath/2007/PartnerControls"/>
-    <ds:schemaRef ds:uri="http://schemas.openxmlformats.org/package/2006/metadata/core-properties"/>
-    <ds:schemaRef ds:uri="http://purl.org/dc/elements/1.1/"/>
-    <ds:schemaRef ds:uri="http://purl.org/dc/terms/"/>
-    <ds:schemaRef ds:uri="http://schemas.microsoft.com/internal/obd"/>
+    <ds:schemaRef ds:uri="http://schemas.microsoft.com/sharepoint/v3/contenttype/forms"/>
   </ds:schemaRefs>
 </ds:datastoreItem>
 </file>